--- a/Shared/[FastCampus] 4주차_강의자료_김경원박사.pptx
+++ b/Shared/[FastCampus] 4주차_강의자료_김경원박사.pptx
@@ -12,7 +12,7 @@
   </p:handoutMasterIdLst>
   <p:sldIdLst>
     <p:sldId id="1063" r:id="rId2"/>
-    <p:sldId id="1104" r:id="rId3"/>
+    <p:sldId id="1135" r:id="rId3"/>
     <p:sldId id="1134" r:id="rId4"/>
     <p:sldId id="1095" r:id="rId5"/>
     <p:sldId id="1154" r:id="rId6"/>
@@ -270,7 +270,7 @@
           <a:p>
             <a:fld id="{FC718EE8-BF93-4A17-BED5-FC99EECA5FC7}" type="datetimeFigureOut">
               <a:rPr lang="ko-KR" altLang="en-US" smtClean="0"/>
-              <a:t>2019-07-21</a:t>
+              <a:t>2019-08-04</a:t>
             </a:fld>
             <a:endParaRPr lang="ko-KR" altLang="en-US"/>
           </a:p>
@@ -435,7 +435,7 @@
           <a:p>
             <a:fld id="{6101F873-BA02-446B-9127-C4DE4310B943}" type="datetimeFigureOut">
               <a:rPr lang="ko-KR" altLang="en-US" smtClean="0"/>
-              <a:t>2019-07-21</a:t>
+              <a:t>2019-08-04</a:t>
             </a:fld>
             <a:endParaRPr lang="ko-KR" altLang="en-US"/>
           </a:p>
@@ -765,18 +765,78 @@
           <a:bodyPr/>
           <a:lstStyle/>
           <a:p>
+            <a:pPr marL="0" marR="0" lvl="0" indent="0" algn="r" defTabSz="1107796" rtl="0" eaLnBrk="1" fontAlgn="auto" latinLnBrk="1" hangingPunct="1">
+              <a:lnSpc>
+                <a:spcPct val="100000"/>
+              </a:lnSpc>
+              <a:spcBef>
+                <a:spcPts val="0"/>
+              </a:spcBef>
+              <a:spcAft>
+                <a:spcPts val="0"/>
+              </a:spcAft>
+              <a:buClrTx/>
+              <a:buSzTx/>
+              <a:buFontTx/>
+              <a:buNone/>
+              <a:tabLst/>
+              <a:defRPr/>
+            </a:pPr>
             <a:fld id="{C191BC67-C438-4515-9D3F-F10D40F1354A}" type="slidenum">
-              <a:rPr lang="ko-KR" altLang="en-US" smtClean="0"/>
+              <a:rPr kumimoji="0" lang="ko-KR" altLang="en-US" sz="1200" b="0" i="0" u="none" strike="noStrike" kern="1200" cap="none" spc="0" normalizeH="0" baseline="0" noProof="0" smtClean="0">
+                <a:ln>
+                  <a:noFill/>
+                </a:ln>
+                <a:solidFill>
+                  <a:prstClr val="black"/>
+                </a:solidFill>
+                <a:effectLst/>
+                <a:uLnTx/>
+                <a:uFillTx/>
+                <a:latin typeface="맑은 고딕"/>
+                <a:ea typeface="맑은 고딕" panose="020B0503020000020004" pitchFamily="50" charset="-127"/>
+                <a:cs typeface="+mn-cs"/>
+              </a:rPr>
+              <a:pPr marL="0" marR="0" lvl="0" indent="0" algn="r" defTabSz="1107796" rtl="0" eaLnBrk="1" fontAlgn="auto" latinLnBrk="1" hangingPunct="1">
+                <a:lnSpc>
+                  <a:spcPct val="100000"/>
+                </a:lnSpc>
+                <a:spcBef>
+                  <a:spcPts val="0"/>
+                </a:spcBef>
+                <a:spcAft>
+                  <a:spcPts val="0"/>
+                </a:spcAft>
+                <a:buClrTx/>
+                <a:buSzTx/>
+                <a:buFontTx/>
+                <a:buNone/>
+                <a:tabLst/>
+                <a:defRPr/>
+              </a:pPr>
               <a:t>2</a:t>
             </a:fld>
-            <a:endParaRPr lang="ko-KR" altLang="en-US"/>
+            <a:endParaRPr kumimoji="0" lang="ko-KR" altLang="en-US" sz="1200" b="0" i="0" u="none" strike="noStrike" kern="1200" cap="none" spc="0" normalizeH="0" baseline="0" noProof="0">
+              <a:ln>
+                <a:noFill/>
+              </a:ln>
+              <a:solidFill>
+                <a:prstClr val="black"/>
+              </a:solidFill>
+              <a:effectLst/>
+              <a:uLnTx/>
+              <a:uFillTx/>
+              <a:latin typeface="맑은 고딕"/>
+              <a:ea typeface="맑은 고딕" panose="020B0503020000020004" pitchFamily="50" charset="-127"/>
+              <a:cs typeface="+mn-cs"/>
+            </a:endParaRPr>
           </a:p>
         </p:txBody>
       </p:sp>
     </p:spTree>
     <p:extLst>
       <p:ext uri="{BB962C8B-B14F-4D97-AF65-F5344CB8AC3E}">
-        <p14:creationId xmlns:p14="http://schemas.microsoft.com/office/powerpoint/2010/main" val="2993664163"/>
+        <p14:creationId xmlns:p14="http://schemas.microsoft.com/office/powerpoint/2010/main" val="1781229904"/>
       </p:ext>
     </p:extLst>
   </p:cSld>
@@ -965,7 +1025,7 @@
           <a:p>
             <a:fld id="{89B5E594-86C5-4F1D-8812-38DF40064943}" type="datetime1">
               <a:rPr lang="ko-KR" altLang="en-US" smtClean="0"/>
-              <a:t>2019-07-21</a:t>
+              <a:t>2019-08-04</a:t>
             </a:fld>
             <a:endParaRPr lang="ko-KR" altLang="en-US"/>
           </a:p>
@@ -1173,7 +1233,7 @@
           <a:p>
             <a:fld id="{05C0B17C-522D-4CD8-8139-01EDEBAB2AF6}" type="datetime1">
               <a:rPr lang="ko-KR" altLang="en-US" smtClean="0"/>
-              <a:t>2019-07-21</a:t>
+              <a:t>2019-08-04</a:t>
             </a:fld>
             <a:endParaRPr lang="ko-KR" altLang="en-US"/>
           </a:p>
@@ -1351,7 +1411,7 @@
           <a:p>
             <a:fld id="{7345261C-38F3-40E7-AAA6-CE27B727AA65}" type="datetime1">
               <a:rPr lang="ko-KR" altLang="en-US" smtClean="0"/>
-              <a:t>2019-07-21</a:t>
+              <a:t>2019-08-04</a:t>
             </a:fld>
             <a:endParaRPr lang="ko-KR" altLang="en-US"/>
           </a:p>
@@ -1519,7 +1579,7 @@
           <a:p>
             <a:fld id="{A8472951-AD8C-47B8-8787-30E2F4BFA1EA}" type="datetime1">
               <a:rPr lang="ko-KR" altLang="en-US" smtClean="0"/>
-              <a:t>2019-07-21</a:t>
+              <a:t>2019-08-04</a:t>
             </a:fld>
             <a:endParaRPr lang="ko-KR" altLang="en-US"/>
           </a:p>
@@ -1774,7 +1834,7 @@
           <a:p>
             <a:fld id="{8BCB1BBF-13D1-46E6-8B8B-C9F26A0BAD91}" type="datetime1">
               <a:rPr lang="ko-KR" altLang="en-US" smtClean="0"/>
-              <a:t>2019-07-21</a:t>
+              <a:t>2019-08-04</a:t>
             </a:fld>
             <a:endParaRPr lang="ko-KR" altLang="en-US"/>
           </a:p>
@@ -2059,7 +2119,7 @@
           <a:p>
             <a:fld id="{B16FDC3D-FD6A-49DF-B101-11717D57279F}" type="datetime1">
               <a:rPr lang="ko-KR" altLang="en-US" smtClean="0"/>
-              <a:t>2019-07-21</a:t>
+              <a:t>2019-08-04</a:t>
             </a:fld>
             <a:endParaRPr lang="ko-KR" altLang="en-US"/>
           </a:p>
@@ -2478,7 +2538,7 @@
           <a:p>
             <a:fld id="{42D411A2-FD90-4A19-98A8-25197A66BC26}" type="datetime1">
               <a:rPr lang="ko-KR" altLang="en-US" smtClean="0"/>
-              <a:t>2019-07-21</a:t>
+              <a:t>2019-08-04</a:t>
             </a:fld>
             <a:endParaRPr lang="ko-KR" altLang="en-US"/>
           </a:p>
@@ -2595,7 +2655,7 @@
           <a:p>
             <a:fld id="{F6E6B532-6471-449A-9A2F-4428556C2F98}" type="datetime1">
               <a:rPr lang="ko-KR" altLang="en-US" smtClean="0"/>
-              <a:t>2019-07-21</a:t>
+              <a:t>2019-08-04</a:t>
             </a:fld>
             <a:endParaRPr lang="ko-KR" altLang="en-US"/>
           </a:p>
@@ -2690,7 +2750,7 @@
           <a:p>
             <a:fld id="{45A9E13B-856D-4562-A86D-A2B6F7BF810F}" type="datetime1">
               <a:rPr lang="ko-KR" altLang="en-US" smtClean="0"/>
-              <a:t>2019-07-21</a:t>
+              <a:t>2019-08-04</a:t>
             </a:fld>
             <a:endParaRPr lang="ko-KR" altLang="en-US"/>
           </a:p>
@@ -2965,7 +3025,7 @@
           <a:p>
             <a:fld id="{A672FB3A-7E9E-4380-9381-6FCA87FBB41A}" type="datetime1">
               <a:rPr lang="ko-KR" altLang="en-US" smtClean="0"/>
-              <a:t>2019-07-21</a:t>
+              <a:t>2019-08-04</a:t>
             </a:fld>
             <a:endParaRPr lang="ko-KR" altLang="en-US"/>
           </a:p>
@@ -3217,7 +3277,7 @@
           <a:p>
             <a:fld id="{3948CCBA-1514-4E9E-888A-807450F810B0}" type="datetime1">
               <a:rPr lang="ko-KR" altLang="en-US" smtClean="0"/>
-              <a:t>2019-07-21</a:t>
+              <a:t>2019-08-04</a:t>
             </a:fld>
             <a:endParaRPr lang="ko-KR" altLang="en-US"/>
           </a:p>
@@ -3430,7 +3490,7 @@
           <a:p>
             <a:fld id="{170EDEE7-370E-499F-B978-ABF387098974}" type="datetime1">
               <a:rPr lang="ko-KR" altLang="en-US" smtClean="0"/>
-              <a:t>2019-07-21</a:t>
+              <a:t>2019-08-04</a:t>
             </a:fld>
             <a:endParaRPr lang="ko-KR" altLang="en-US" dirty="0"/>
           </a:p>
@@ -5473,13 +5533,7 @@
       </p:grpSpPr>
       <p:sp>
         <p:nvSpPr>
-          <p:cNvPr id="5" name="슬라이드 번호 개체 틀 3">
-            <a:extLst>
-              <a:ext uri="{FF2B5EF4-FFF2-40B4-BE49-F238E27FC236}">
-                <a16:creationId xmlns:a16="http://schemas.microsoft.com/office/drawing/2014/main" id="{5A11B69C-5E63-40B2-852E-3D7804E113E3}"/>
-              </a:ext>
-            </a:extLst>
-          </p:cNvPr>
+          <p:cNvPr id="4" name="슬라이드 번호 개체 틀 3"/>
           <p:cNvSpPr>
             <a:spLocks noGrp="1"/>
           </p:cNvSpPr>
@@ -5487,41 +5541,91 @@
             <p:ph type="sldNum" sz="quarter" idx="12"/>
           </p:nvPr>
         </p:nvSpPr>
-        <p:spPr>
-          <a:xfrm>
-            <a:off x="9160679" y="6372598"/>
-            <a:ext cx="2837392" cy="364195"/>
-          </a:xfrm>
-        </p:spPr>
+        <p:spPr/>
         <p:txBody>
           <a:bodyPr/>
           <a:lstStyle/>
           <a:p>
+            <a:pPr marL="0" marR="0" lvl="0" indent="0" algn="r" defTabSz="1107796" rtl="0" eaLnBrk="1" fontAlgn="auto" latinLnBrk="1" hangingPunct="1">
+              <a:lnSpc>
+                <a:spcPct val="100000"/>
+              </a:lnSpc>
+              <a:spcBef>
+                <a:spcPts val="0"/>
+              </a:spcBef>
+              <a:spcAft>
+                <a:spcPts val="0"/>
+              </a:spcAft>
+              <a:buClrTx/>
+              <a:buSzTx/>
+              <a:buFontTx/>
+              <a:buNone/>
+              <a:tabLst/>
+              <a:defRPr/>
+            </a:pPr>
             <a:fld id="{6DDAE2C3-1A0B-474A-8CE8-AE55B8D9D4B1}" type="slidenum">
-              <a:rPr lang="ko-KR" altLang="en-US" smtClean="0"/>
-              <a:pPr/>
+              <a:rPr kumimoji="0" lang="ko-KR" altLang="en-US" sz="900" b="0" i="0" u="none" strike="noStrike" kern="1200" cap="none" spc="0" normalizeH="0" baseline="0" noProof="0" smtClean="0">
+                <a:ln>
+                  <a:noFill/>
+                </a:ln>
+                <a:solidFill>
+                  <a:prstClr val="black">
+                    <a:tint val="75000"/>
+                  </a:prstClr>
+                </a:solidFill>
+                <a:effectLst/>
+                <a:uLnTx/>
+                <a:uFillTx/>
+                <a:ea typeface="Noto Sans CJK KR Bold" panose="020B0800000000000000" pitchFamily="34" charset="-127"/>
+                <a:cs typeface="+mn-cs"/>
+              </a:rPr>
+              <a:pPr marL="0" marR="0" lvl="0" indent="0" algn="r" defTabSz="1107796" rtl="0" eaLnBrk="1" fontAlgn="auto" latinLnBrk="1" hangingPunct="1">
+                <a:lnSpc>
+                  <a:spcPct val="100000"/>
+                </a:lnSpc>
+                <a:spcBef>
+                  <a:spcPts val="0"/>
+                </a:spcBef>
+                <a:spcAft>
+                  <a:spcPts val="0"/>
+                </a:spcAft>
+                <a:buClrTx/>
+                <a:buSzTx/>
+                <a:buFontTx/>
+                <a:buNone/>
+                <a:tabLst/>
+                <a:defRPr/>
+              </a:pPr>
               <a:t>2</a:t>
             </a:fld>
-            <a:endParaRPr lang="ko-KR" altLang="en-US" dirty="0"/>
-          </a:p>
-        </p:txBody>
-      </p:sp>
-      <p:sp>
-        <p:nvSpPr>
-          <p:cNvPr id="6" name="TextBox 5">
-            <a:extLst>
-              <a:ext uri="{FF2B5EF4-FFF2-40B4-BE49-F238E27FC236}">
-                <a16:creationId xmlns:a16="http://schemas.microsoft.com/office/drawing/2014/main" id="{667C6E96-1293-4432-8650-651717FD3541}"/>
-              </a:ext>
-            </a:extLst>
-          </p:cNvPr>
+            <a:endParaRPr kumimoji="0" lang="ko-KR" altLang="en-US" sz="900" b="0" i="0" u="none" strike="noStrike" kern="1200" cap="none" spc="0" normalizeH="0" baseline="0" noProof="0" dirty="0">
+              <a:ln>
+                <a:noFill/>
+              </a:ln>
+              <a:solidFill>
+                <a:prstClr val="black">
+                  <a:tint val="75000"/>
+                </a:prstClr>
+              </a:solidFill>
+              <a:effectLst/>
+              <a:uLnTx/>
+              <a:uFillTx/>
+              <a:ea typeface="Noto Sans CJK KR Bold" panose="020B0800000000000000" pitchFamily="34" charset="-127"/>
+              <a:cs typeface="+mn-cs"/>
+            </a:endParaRPr>
+          </a:p>
+        </p:txBody>
+      </p:sp>
+      <p:sp>
+        <p:nvSpPr>
+          <p:cNvPr id="11" name="TextBox 10"/>
           <p:cNvSpPr txBox="1"/>
           <p:nvPr/>
         </p:nvSpPr>
         <p:spPr>
           <a:xfrm>
             <a:off x="542135" y="855851"/>
-            <a:ext cx="11298630" cy="2523768"/>
+            <a:ext cx="11298630" cy="2708434"/>
           </a:xfrm>
           <a:prstGeom prst="rect">
             <a:avLst/>
@@ -5534,95 +5638,193 @@
           </a:bodyPr>
           <a:lstStyle/>
           <a:p>
-            <a:r>
-              <a:rPr lang="en-US" altLang="ko-KR" sz="4400" dirty="0">
-                <a:solidFill>
-                  <a:schemeClr val="bg1"/>
-                </a:solidFill>
+            <a:pPr marL="0" marR="0" lvl="0" indent="0" algn="l" defTabSz="1107796" rtl="0" eaLnBrk="1" fontAlgn="auto" latinLnBrk="1" hangingPunct="1">
+              <a:lnSpc>
+                <a:spcPct val="100000"/>
+              </a:lnSpc>
+              <a:spcBef>
+                <a:spcPts val="0"/>
+              </a:spcBef>
+              <a:spcAft>
+                <a:spcPts val="0"/>
+              </a:spcAft>
+              <a:buClrTx/>
+              <a:buSzTx/>
+              <a:buFontTx/>
+              <a:buNone/>
+              <a:tabLst/>
+              <a:defRPr/>
+            </a:pPr>
+            <a:r>
+              <a:rPr kumimoji="0" lang="en-US" altLang="ko-KR" sz="4400" b="0" i="0" u="none" strike="noStrike" kern="1200" cap="none" spc="0" normalizeH="0" baseline="0" noProof="0" dirty="0">
+                <a:ln>
+                  <a:noFill/>
+                </a:ln>
+                <a:solidFill>
+                  <a:prstClr val="white"/>
+                </a:solidFill>
+                <a:effectLst/>
+                <a:uLnTx/>
+                <a:uFillTx/>
                 <a:latin typeface="Noto Sans CJK KR Black" panose="020B0A00000000000000" pitchFamily="34" charset="-127"/>
                 <a:ea typeface="Noto Sans CJK KR Black" panose="020B0A00000000000000" pitchFamily="34" charset="-127"/>
-              </a:rPr>
-              <a:t>4</a:t>
-            </a:r>
-            <a:r>
-              <a:rPr lang="ko-KR" altLang="en-US" sz="4400" dirty="0">
-                <a:solidFill>
-                  <a:schemeClr val="bg1"/>
-                </a:solidFill>
+                <a:cs typeface="+mn-cs"/>
+              </a:rPr>
+              <a:t>3</a:t>
+            </a:r>
+            <a:r>
+              <a:rPr kumimoji="0" lang="ko-KR" altLang="en-US" sz="4400" b="0" i="0" u="none" strike="noStrike" kern="1200" cap="none" spc="0" normalizeH="0" baseline="0" noProof="0" dirty="0">
+                <a:ln>
+                  <a:noFill/>
+                </a:ln>
+                <a:solidFill>
+                  <a:prstClr val="white"/>
+                </a:solidFill>
+                <a:effectLst/>
+                <a:uLnTx/>
+                <a:uFillTx/>
                 <a:latin typeface="Noto Sans CJK KR Black" panose="020B0A00000000000000" pitchFamily="34" charset="-127"/>
                 <a:ea typeface="Noto Sans CJK KR Black" panose="020B0A00000000000000" pitchFamily="34" charset="-127"/>
-              </a:rPr>
-              <a:t>주차 강의의 목적</a:t>
-            </a:r>
-            <a:endParaRPr lang="en-US" altLang="ko-KR" sz="4400" dirty="0">
+                <a:cs typeface="+mn-cs"/>
+              </a:rPr>
+              <a:t>주차 </a:t>
+            </a:r>
+            <a:endParaRPr kumimoji="0" lang="en-US" altLang="ko-KR" sz="4400" b="0" i="0" u="none" strike="noStrike" kern="1200" cap="none" spc="0" normalizeH="0" baseline="0" noProof="0" dirty="0">
+              <a:ln>
+                <a:noFill/>
+              </a:ln>
               <a:solidFill>
-                <a:schemeClr val="bg1"/>
+                <a:prstClr val="white"/>
               </a:solidFill>
+              <a:effectLst/>
+              <a:uLnTx/>
+              <a:uFillTx/>
               <a:latin typeface="Noto Sans CJK KR Black" panose="020B0A00000000000000" pitchFamily="34" charset="-127"/>
               <a:ea typeface="Noto Sans CJK KR Black" panose="020B0A00000000000000" pitchFamily="34" charset="-127"/>
+              <a:cs typeface="+mn-cs"/>
             </a:endParaRPr>
           </a:p>
           <a:p>
-            <a:endParaRPr lang="en-US" altLang="ko-KR" sz="4400" dirty="0">
+            <a:pPr marL="0" marR="0" lvl="0" indent="0" algn="l" defTabSz="1107796" rtl="0" eaLnBrk="1" fontAlgn="auto" latinLnBrk="1" hangingPunct="1">
+              <a:lnSpc>
+                <a:spcPct val="100000"/>
+              </a:lnSpc>
+              <a:spcBef>
+                <a:spcPts val="0"/>
+              </a:spcBef>
+              <a:spcAft>
+                <a:spcPts val="0"/>
+              </a:spcAft>
+              <a:buClrTx/>
+              <a:buSzTx/>
+              <a:buFontTx/>
+              <a:buNone/>
+              <a:tabLst/>
+              <a:defRPr/>
+            </a:pPr>
+            <a:r>
+              <a:rPr kumimoji="0" lang="ko-KR" altLang="en-US" sz="4400" b="0" i="0" u="none" strike="noStrike" kern="1200" cap="none" spc="0" normalizeH="0" baseline="0" noProof="0" dirty="0">
+                <a:ln>
+                  <a:noFill/>
+                </a:ln>
+                <a:solidFill>
+                  <a:prstClr val="white"/>
+                </a:solidFill>
+                <a:effectLst/>
+                <a:uLnTx/>
+                <a:uFillTx/>
+                <a:latin typeface="Noto Sans CJK KR Black" panose="020B0A00000000000000" pitchFamily="34" charset="-127"/>
+                <a:ea typeface="Noto Sans CJK KR Black" panose="020B0A00000000000000" pitchFamily="34" charset="-127"/>
+                <a:cs typeface="+mn-cs"/>
+              </a:rPr>
+              <a:t>강의의 목적</a:t>
+            </a:r>
+            <a:endParaRPr kumimoji="0" lang="en-US" altLang="ko-KR" sz="4400" b="0" i="0" u="none" strike="noStrike" kern="1200" cap="none" spc="0" normalizeH="0" baseline="0" noProof="0" dirty="0">
+              <a:ln>
+                <a:noFill/>
+              </a:ln>
               <a:solidFill>
-                <a:schemeClr val="bg1"/>
+                <a:prstClr val="white"/>
               </a:solidFill>
+              <a:effectLst/>
+              <a:uLnTx/>
+              <a:uFillTx/>
               <a:latin typeface="Noto Sans CJK KR Black" panose="020B0A00000000000000" pitchFamily="34" charset="-127"/>
               <a:ea typeface="Noto Sans CJK KR Black" panose="020B0A00000000000000" pitchFamily="34" charset="-127"/>
+              <a:cs typeface="+mn-cs"/>
             </a:endParaRPr>
           </a:p>
           <a:p>
-            <a:endParaRPr lang="en-US" altLang="ko-KR" sz="4400" dirty="0">
+            <a:pPr marL="0" marR="0" lvl="0" indent="0" algn="l" defTabSz="1107796" rtl="0" eaLnBrk="1" fontAlgn="auto" latinLnBrk="1" hangingPunct="1">
+              <a:lnSpc>
+                <a:spcPct val="100000"/>
+              </a:lnSpc>
+              <a:spcBef>
+                <a:spcPts val="0"/>
+              </a:spcBef>
+              <a:spcAft>
+                <a:spcPts val="0"/>
+              </a:spcAft>
+              <a:buClrTx/>
+              <a:buSzTx/>
+              <a:buFontTx/>
+              <a:buNone/>
+              <a:tabLst/>
+              <a:defRPr/>
+            </a:pPr>
+            <a:endParaRPr kumimoji="0" lang="en-US" altLang="ko-KR" sz="4400" b="0" i="0" u="none" strike="noStrike" kern="1200" cap="none" spc="0" normalizeH="0" baseline="0" noProof="0" dirty="0">
+              <a:ln>
+                <a:noFill/>
+              </a:ln>
               <a:solidFill>
-                <a:schemeClr val="bg1"/>
+                <a:prstClr val="white"/>
               </a:solidFill>
+              <a:effectLst/>
+              <a:uLnTx/>
+              <a:uFillTx/>
               <a:latin typeface="Noto Sans CJK KR Black" panose="020B0A00000000000000" pitchFamily="34" charset="-127"/>
               <a:ea typeface="Noto Sans CJK KR Black" panose="020B0A00000000000000" pitchFamily="34" charset="-127"/>
+              <a:cs typeface="+mn-cs"/>
             </a:endParaRPr>
           </a:p>
           <a:p>
-            <a:r>
-              <a:rPr lang="en-US" altLang="ko-KR" sz="3200" dirty="0">
-                <a:solidFill>
-                  <a:schemeClr val="bg1"/>
-                </a:solidFill>
-                <a:latin typeface="Noto Sans CJK KR Black" panose="020B0A00000000000000" pitchFamily="34" charset="-127"/>
-                <a:ea typeface="Noto Sans CJK KR Black" panose="020B0A00000000000000" pitchFamily="34" charset="-127"/>
-              </a:rPr>
-              <a:t>“</a:t>
-            </a:r>
-            <a:r>
-              <a:rPr lang="ko-KR" altLang="en-US" sz="3200" dirty="0">
-                <a:solidFill>
-                  <a:schemeClr val="bg1"/>
-                </a:solidFill>
-                <a:latin typeface="Noto Sans CJK KR Black" panose="020B0A00000000000000" pitchFamily="34" charset="-127"/>
-                <a:ea typeface="Noto Sans CJK KR Black" panose="020B0A00000000000000" pitchFamily="34" charset="-127"/>
-              </a:rPr>
-              <a:t>시계열 분석</a:t>
-            </a:r>
-            <a:r>
-              <a:rPr lang="en-US" altLang="ko-KR" sz="3200" dirty="0">
-                <a:solidFill>
-                  <a:schemeClr val="bg1"/>
-                </a:solidFill>
-                <a:latin typeface="Noto Sans CJK KR Black" panose="020B0A00000000000000" pitchFamily="34" charset="-127"/>
-                <a:ea typeface="Noto Sans CJK KR Black" panose="020B0A00000000000000" pitchFamily="34" charset="-127"/>
-              </a:rPr>
-              <a:t>“</a:t>
-            </a:r>
-          </a:p>
-        </p:txBody>
-      </p:sp>
-      <p:sp>
-        <p:nvSpPr>
-          <p:cNvPr id="7" name="TextBox 6">
-            <a:extLst>
-              <a:ext uri="{FF2B5EF4-FFF2-40B4-BE49-F238E27FC236}">
-                <a16:creationId xmlns:a16="http://schemas.microsoft.com/office/drawing/2014/main" id="{0E6F8794-D07C-4794-BBAE-AAF2CC4D8BA1}"/>
-              </a:ext>
-            </a:extLst>
-          </p:cNvPr>
+            <a:pPr marL="0" marR="0" lvl="0" indent="0" algn="l" defTabSz="1107796" rtl="0" eaLnBrk="1" fontAlgn="auto" latinLnBrk="1" hangingPunct="1">
+              <a:lnSpc>
+                <a:spcPct val="100000"/>
+              </a:lnSpc>
+              <a:spcBef>
+                <a:spcPts val="0"/>
+              </a:spcBef>
+              <a:spcAft>
+                <a:spcPts val="0"/>
+              </a:spcAft>
+              <a:buClrTx/>
+              <a:buSzTx/>
+              <a:buFontTx/>
+              <a:buNone/>
+              <a:tabLst/>
+              <a:defRPr/>
+            </a:pPr>
+            <a:endParaRPr kumimoji="0" lang="en-US" altLang="ko-KR" sz="4400" b="0" i="0" u="none" strike="noStrike" kern="1200" cap="none" spc="0" normalizeH="0" baseline="0" noProof="0" dirty="0">
+              <a:ln>
+                <a:noFill/>
+              </a:ln>
+              <a:solidFill>
+                <a:prstClr val="white"/>
+              </a:solidFill>
+              <a:effectLst/>
+              <a:uLnTx/>
+              <a:uFillTx/>
+              <a:latin typeface="Noto Sans CJK KR Black" panose="020B0A00000000000000" pitchFamily="34" charset="-127"/>
+              <a:ea typeface="Noto Sans CJK KR Black" panose="020B0A00000000000000" pitchFamily="34" charset="-127"/>
+              <a:cs typeface="+mn-cs"/>
+            </a:endParaRPr>
+          </a:p>
+        </p:txBody>
+      </p:sp>
+      <p:sp>
+        <p:nvSpPr>
+          <p:cNvPr id="12" name="TextBox 11"/>
           <p:cNvSpPr txBox="1"/>
           <p:nvPr/>
         </p:nvSpPr>
@@ -5642,17 +5844,422 @@
           </a:bodyPr>
           <a:lstStyle/>
           <a:p>
-            <a:pPr>
+            <a:pPr marL="0" marR="0" lvl="0" indent="0" algn="l" defTabSz="1107796" rtl="0" eaLnBrk="1" fontAlgn="auto" latinLnBrk="1" hangingPunct="1">
               <a:lnSpc>
                 <a:spcPct val="150000"/>
               </a:lnSpc>
+              <a:spcBef>
+                <a:spcPts val="0"/>
+              </a:spcBef>
+              <a:spcAft>
+                <a:spcPts val="0"/>
+              </a:spcAft>
+              <a:buClrTx/>
+              <a:buSzTx/>
+              <a:buFontTx/>
+              <a:buNone/>
+              <a:tabLst/>
+              <a:defRPr/>
             </a:pPr>
-            <a:endParaRPr lang="en-US" altLang="ko-KR" sz="1050" dirty="0">
+            <a:endParaRPr kumimoji="0" lang="en-US" altLang="ko-KR" sz="1050" b="0" i="0" u="none" strike="noStrike" kern="1200" cap="none" spc="0" normalizeH="0" baseline="0" noProof="0" dirty="0">
+              <a:ln>
+                <a:noFill/>
+              </a:ln>
               <a:solidFill>
-                <a:schemeClr val="bg1"/>
+                <a:prstClr val="white"/>
               </a:solidFill>
+              <a:effectLst/>
+              <a:uLnTx/>
+              <a:uFillTx/>
               <a:latin typeface="Noto Sans CJK KR Medium" panose="020B0600000000000000" pitchFamily="34" charset="-127"/>
               <a:ea typeface="Noto Sans CJK KR Medium" panose="020B0600000000000000" pitchFamily="34" charset="-127"/>
+              <a:cs typeface="+mn-cs"/>
+            </a:endParaRPr>
+          </a:p>
+        </p:txBody>
+      </p:sp>
+      <p:pic>
+        <p:nvPicPr>
+          <p:cNvPr id="6" name="그림 5">
+            <a:extLst>
+              <a:ext uri="{FF2B5EF4-FFF2-40B4-BE49-F238E27FC236}">
+                <a16:creationId xmlns:a16="http://schemas.microsoft.com/office/drawing/2014/main" id="{DB5EDEC6-8B0A-462F-8B63-AB96D03FE054}"/>
+              </a:ext>
+            </a:extLst>
+          </p:cNvPr>
+          <p:cNvPicPr>
+            <a:picLocks noChangeAspect="1"/>
+          </p:cNvPicPr>
+          <p:nvPr/>
+        </p:nvPicPr>
+        <p:blipFill>
+          <a:blip r:embed="rId3">
+            <a:extLst>
+              <a:ext uri="{28A0092B-C50C-407E-A947-70E740481C1C}">
+                <a14:useLocalDpi xmlns:a14="http://schemas.microsoft.com/office/drawing/2010/main" val="0"/>
+              </a:ext>
+            </a:extLst>
+          </a:blip>
+          <a:stretch>
+            <a:fillRect/>
+          </a:stretch>
+        </p:blipFill>
+        <p:spPr>
+          <a:xfrm>
+            <a:off x="4604447" y="36115"/>
+            <a:ext cx="7555803" cy="6840538"/>
+          </a:xfrm>
+          <a:prstGeom prst="rect">
+            <a:avLst/>
+          </a:prstGeom>
+        </p:spPr>
+      </p:pic>
+      <p:sp>
+        <p:nvSpPr>
+          <p:cNvPr id="2" name="TextBox 1">
+            <a:extLst>
+              <a:ext uri="{FF2B5EF4-FFF2-40B4-BE49-F238E27FC236}">
+                <a16:creationId xmlns:a16="http://schemas.microsoft.com/office/drawing/2014/main" id="{8060EEAE-53E1-49A6-9042-250FCF40B0FE}"/>
+              </a:ext>
+            </a:extLst>
+          </p:cNvPr>
+          <p:cNvSpPr txBox="1"/>
+          <p:nvPr/>
+        </p:nvSpPr>
+        <p:spPr>
+          <a:xfrm>
+            <a:off x="8312373" y="3348261"/>
+            <a:ext cx="3685698" cy="3477875"/>
+          </a:xfrm>
+          <a:prstGeom prst="rect">
+            <a:avLst/>
+          </a:prstGeom>
+          <a:noFill/>
+          <a:ln w="38100">
+            <a:solidFill>
+              <a:srgbClr val="FF0000"/>
+            </a:solidFill>
+          </a:ln>
+        </p:spPr>
+        <p:txBody>
+          <a:bodyPr wrap="square" rtlCol="0">
+            <a:spAutoFit/>
+          </a:bodyPr>
+          <a:lstStyle/>
+          <a:p>
+            <a:pPr marL="0" marR="0" lvl="0" indent="0" algn="l" defTabSz="1107796" rtl="0" eaLnBrk="1" fontAlgn="auto" latinLnBrk="1" hangingPunct="1">
+              <a:lnSpc>
+                <a:spcPct val="100000"/>
+              </a:lnSpc>
+              <a:spcBef>
+                <a:spcPts val="0"/>
+              </a:spcBef>
+              <a:spcAft>
+                <a:spcPts val="0"/>
+              </a:spcAft>
+              <a:buClrTx/>
+              <a:buSzTx/>
+              <a:buFontTx/>
+              <a:buNone/>
+              <a:tabLst/>
+              <a:defRPr/>
+            </a:pPr>
+            <a:endParaRPr kumimoji="0" lang="en-US" altLang="ko-KR" sz="2200" b="0" i="0" u="none" strike="noStrike" kern="1200" cap="none" spc="0" normalizeH="0" baseline="0" noProof="0" dirty="0">
+              <a:ln>
+                <a:noFill/>
+              </a:ln>
+              <a:solidFill>
+                <a:prstClr val="black"/>
+              </a:solidFill>
+              <a:effectLst/>
+              <a:uLnTx/>
+              <a:uFillTx/>
+              <a:latin typeface="맑은 고딕"/>
+              <a:ea typeface="맑은 고딕" panose="020B0503020000020004" pitchFamily="50" charset="-127"/>
+              <a:cs typeface="+mn-cs"/>
+            </a:endParaRPr>
+          </a:p>
+          <a:p>
+            <a:pPr marL="0" marR="0" lvl="0" indent="0" algn="l" defTabSz="1107796" rtl="0" eaLnBrk="1" fontAlgn="auto" latinLnBrk="1" hangingPunct="1">
+              <a:lnSpc>
+                <a:spcPct val="100000"/>
+              </a:lnSpc>
+              <a:spcBef>
+                <a:spcPts val="0"/>
+              </a:spcBef>
+              <a:spcAft>
+                <a:spcPts val="0"/>
+              </a:spcAft>
+              <a:buClrTx/>
+              <a:buSzTx/>
+              <a:buFontTx/>
+              <a:buNone/>
+              <a:tabLst/>
+              <a:defRPr/>
+            </a:pPr>
+            <a:endParaRPr kumimoji="0" lang="en-US" altLang="ko-KR" sz="2200" b="0" i="0" u="none" strike="noStrike" kern="1200" cap="none" spc="0" normalizeH="0" baseline="0" noProof="0" dirty="0">
+              <a:ln>
+                <a:noFill/>
+              </a:ln>
+              <a:solidFill>
+                <a:prstClr val="black"/>
+              </a:solidFill>
+              <a:effectLst/>
+              <a:uLnTx/>
+              <a:uFillTx/>
+              <a:latin typeface="맑은 고딕"/>
+              <a:ea typeface="맑은 고딕" panose="020B0503020000020004" pitchFamily="50" charset="-127"/>
+              <a:cs typeface="+mn-cs"/>
+            </a:endParaRPr>
+          </a:p>
+          <a:p>
+            <a:pPr marL="0" marR="0" lvl="0" indent="0" algn="l" defTabSz="1107796" rtl="0" eaLnBrk="1" fontAlgn="auto" latinLnBrk="1" hangingPunct="1">
+              <a:lnSpc>
+                <a:spcPct val="100000"/>
+              </a:lnSpc>
+              <a:spcBef>
+                <a:spcPts val="0"/>
+              </a:spcBef>
+              <a:spcAft>
+                <a:spcPts val="0"/>
+              </a:spcAft>
+              <a:buClrTx/>
+              <a:buSzTx/>
+              <a:buFontTx/>
+              <a:buNone/>
+              <a:tabLst/>
+              <a:defRPr/>
+            </a:pPr>
+            <a:endParaRPr lang="en-US" altLang="ko-KR" dirty="0">
+              <a:solidFill>
+                <a:prstClr val="black"/>
+              </a:solidFill>
+              <a:latin typeface="맑은 고딕"/>
+              <a:ea typeface="맑은 고딕" panose="020B0503020000020004" pitchFamily="50" charset="-127"/>
+            </a:endParaRPr>
+          </a:p>
+          <a:p>
+            <a:pPr marL="0" marR="0" lvl="0" indent="0" algn="l" defTabSz="1107796" rtl="0" eaLnBrk="1" fontAlgn="auto" latinLnBrk="1" hangingPunct="1">
+              <a:lnSpc>
+                <a:spcPct val="100000"/>
+              </a:lnSpc>
+              <a:spcBef>
+                <a:spcPts val="0"/>
+              </a:spcBef>
+              <a:spcAft>
+                <a:spcPts val="0"/>
+              </a:spcAft>
+              <a:buClrTx/>
+              <a:buSzTx/>
+              <a:buFontTx/>
+              <a:buNone/>
+              <a:tabLst/>
+              <a:defRPr/>
+            </a:pPr>
+            <a:endParaRPr kumimoji="0" lang="en-US" altLang="ko-KR" sz="2200" b="0" i="0" u="none" strike="noStrike" kern="1200" cap="none" spc="0" normalizeH="0" baseline="0" noProof="0" dirty="0">
+              <a:ln>
+                <a:noFill/>
+              </a:ln>
+              <a:solidFill>
+                <a:prstClr val="black"/>
+              </a:solidFill>
+              <a:effectLst/>
+              <a:uLnTx/>
+              <a:uFillTx/>
+              <a:latin typeface="맑은 고딕"/>
+              <a:ea typeface="맑은 고딕" panose="020B0503020000020004" pitchFamily="50" charset="-127"/>
+              <a:cs typeface="+mn-cs"/>
+            </a:endParaRPr>
+          </a:p>
+          <a:p>
+            <a:pPr marL="0" marR="0" lvl="0" indent="0" algn="l" defTabSz="1107796" rtl="0" eaLnBrk="1" fontAlgn="auto" latinLnBrk="1" hangingPunct="1">
+              <a:lnSpc>
+                <a:spcPct val="100000"/>
+              </a:lnSpc>
+              <a:spcBef>
+                <a:spcPts val="0"/>
+              </a:spcBef>
+              <a:spcAft>
+                <a:spcPts val="0"/>
+              </a:spcAft>
+              <a:buClrTx/>
+              <a:buSzTx/>
+              <a:buFontTx/>
+              <a:buNone/>
+              <a:tabLst/>
+              <a:defRPr/>
+            </a:pPr>
+            <a:endParaRPr lang="en-US" altLang="ko-KR" dirty="0">
+              <a:solidFill>
+                <a:prstClr val="black"/>
+              </a:solidFill>
+              <a:latin typeface="맑은 고딕"/>
+              <a:ea typeface="맑은 고딕" panose="020B0503020000020004" pitchFamily="50" charset="-127"/>
+            </a:endParaRPr>
+          </a:p>
+          <a:p>
+            <a:pPr marL="0" marR="0" lvl="0" indent="0" algn="l" defTabSz="1107796" rtl="0" eaLnBrk="1" fontAlgn="auto" latinLnBrk="1" hangingPunct="1">
+              <a:lnSpc>
+                <a:spcPct val="100000"/>
+              </a:lnSpc>
+              <a:spcBef>
+                <a:spcPts val="0"/>
+              </a:spcBef>
+              <a:spcAft>
+                <a:spcPts val="0"/>
+              </a:spcAft>
+              <a:buClrTx/>
+              <a:buSzTx/>
+              <a:buFontTx/>
+              <a:buNone/>
+              <a:tabLst/>
+              <a:defRPr/>
+            </a:pPr>
+            <a:endParaRPr kumimoji="0" lang="en-US" altLang="ko-KR" sz="2200" b="0" i="0" u="none" strike="noStrike" kern="1200" cap="none" spc="0" normalizeH="0" baseline="0" noProof="0" dirty="0">
+              <a:ln>
+                <a:noFill/>
+              </a:ln>
+              <a:solidFill>
+                <a:prstClr val="black"/>
+              </a:solidFill>
+              <a:effectLst/>
+              <a:uLnTx/>
+              <a:uFillTx/>
+              <a:latin typeface="맑은 고딕"/>
+              <a:ea typeface="맑은 고딕" panose="020B0503020000020004" pitchFamily="50" charset="-127"/>
+              <a:cs typeface="+mn-cs"/>
+            </a:endParaRPr>
+          </a:p>
+          <a:p>
+            <a:pPr marL="0" marR="0" lvl="0" indent="0" algn="l" defTabSz="1107796" rtl="0" eaLnBrk="1" fontAlgn="auto" latinLnBrk="1" hangingPunct="1">
+              <a:lnSpc>
+                <a:spcPct val="100000"/>
+              </a:lnSpc>
+              <a:spcBef>
+                <a:spcPts val="0"/>
+              </a:spcBef>
+              <a:spcAft>
+                <a:spcPts val="0"/>
+              </a:spcAft>
+              <a:buClrTx/>
+              <a:buSzTx/>
+              <a:buFontTx/>
+              <a:buNone/>
+              <a:tabLst/>
+              <a:defRPr/>
+            </a:pPr>
+            <a:endParaRPr kumimoji="0" lang="en-US" altLang="ko-KR" sz="2200" b="0" i="0" u="none" strike="noStrike" kern="1200" cap="none" spc="0" normalizeH="0" baseline="0" noProof="0" dirty="0">
+              <a:ln>
+                <a:noFill/>
+              </a:ln>
+              <a:solidFill>
+                <a:prstClr val="black"/>
+              </a:solidFill>
+              <a:effectLst/>
+              <a:uLnTx/>
+              <a:uFillTx/>
+              <a:latin typeface="맑은 고딕"/>
+              <a:ea typeface="맑은 고딕" panose="020B0503020000020004" pitchFamily="50" charset="-127"/>
+              <a:cs typeface="+mn-cs"/>
+            </a:endParaRPr>
+          </a:p>
+          <a:p>
+            <a:pPr marL="0" marR="0" lvl="0" indent="0" algn="l" defTabSz="1107796" rtl="0" eaLnBrk="1" fontAlgn="auto" latinLnBrk="1" hangingPunct="1">
+              <a:lnSpc>
+                <a:spcPct val="100000"/>
+              </a:lnSpc>
+              <a:spcBef>
+                <a:spcPts val="0"/>
+              </a:spcBef>
+              <a:spcAft>
+                <a:spcPts val="0"/>
+              </a:spcAft>
+              <a:buClrTx/>
+              <a:buSzTx/>
+              <a:buFontTx/>
+              <a:buNone/>
+              <a:tabLst/>
+              <a:defRPr/>
+            </a:pPr>
+            <a:endParaRPr kumimoji="0" lang="en-US" altLang="ko-KR" sz="2200" b="0" i="0" u="none" strike="noStrike" kern="1200" cap="none" spc="0" normalizeH="0" baseline="0" noProof="0" dirty="0">
+              <a:ln>
+                <a:noFill/>
+              </a:ln>
+              <a:solidFill>
+                <a:prstClr val="black"/>
+              </a:solidFill>
+              <a:effectLst/>
+              <a:uLnTx/>
+              <a:uFillTx/>
+              <a:latin typeface="맑은 고딕"/>
+              <a:ea typeface="맑은 고딕" panose="020B0503020000020004" pitchFamily="50" charset="-127"/>
+              <a:cs typeface="+mn-cs"/>
+            </a:endParaRPr>
+          </a:p>
+          <a:p>
+            <a:pPr marL="0" marR="0" lvl="0" indent="0" algn="l" defTabSz="1107796" rtl="0" eaLnBrk="1" fontAlgn="auto" latinLnBrk="1" hangingPunct="1">
+              <a:lnSpc>
+                <a:spcPct val="100000"/>
+              </a:lnSpc>
+              <a:spcBef>
+                <a:spcPts val="0"/>
+              </a:spcBef>
+              <a:spcAft>
+                <a:spcPts val="0"/>
+              </a:spcAft>
+              <a:buClrTx/>
+              <a:buSzTx/>
+              <a:buFontTx/>
+              <a:buNone/>
+              <a:tabLst/>
+              <a:defRPr/>
+            </a:pPr>
+            <a:endParaRPr kumimoji="0" lang="en-US" altLang="ko-KR" sz="2200" b="0" i="0" u="none" strike="noStrike" kern="1200" cap="none" spc="0" normalizeH="0" baseline="0" noProof="0" dirty="0">
+              <a:ln>
+                <a:noFill/>
+              </a:ln>
+              <a:solidFill>
+                <a:prstClr val="black"/>
+              </a:solidFill>
+              <a:effectLst/>
+              <a:uLnTx/>
+              <a:uFillTx/>
+              <a:latin typeface="맑은 고딕"/>
+              <a:ea typeface="맑은 고딕" panose="020B0503020000020004" pitchFamily="50" charset="-127"/>
+              <a:cs typeface="+mn-cs"/>
+            </a:endParaRPr>
+          </a:p>
+          <a:p>
+            <a:pPr marL="0" marR="0" lvl="0" indent="0" algn="l" defTabSz="1107796" rtl="0" eaLnBrk="1" fontAlgn="auto" latinLnBrk="1" hangingPunct="1">
+              <a:lnSpc>
+                <a:spcPct val="100000"/>
+              </a:lnSpc>
+              <a:spcBef>
+                <a:spcPts val="0"/>
+              </a:spcBef>
+              <a:spcAft>
+                <a:spcPts val="0"/>
+              </a:spcAft>
+              <a:buClrTx/>
+              <a:buSzTx/>
+              <a:buFontTx/>
+              <a:buNone/>
+              <a:tabLst/>
+              <a:defRPr/>
+            </a:pPr>
+            <a:endParaRPr kumimoji="0" lang="ko-KR" altLang="en-US" sz="2200" b="0" i="0" u="none" strike="noStrike" kern="1200" cap="none" spc="0" normalizeH="0" baseline="0" noProof="0" dirty="0">
+              <a:ln>
+                <a:noFill/>
+              </a:ln>
+              <a:solidFill>
+                <a:prstClr val="black"/>
+              </a:solidFill>
+              <a:effectLst/>
+              <a:uLnTx/>
+              <a:uFillTx/>
+              <a:latin typeface="맑은 고딕"/>
+              <a:ea typeface="맑은 고딕" panose="020B0503020000020004" pitchFamily="50" charset="-127"/>
+              <a:cs typeface="+mn-cs"/>
             </a:endParaRPr>
           </a:p>
         </p:txBody>
@@ -5660,7 +6267,7 @@
     </p:spTree>
     <p:extLst>
       <p:ext uri="{BB962C8B-B14F-4D97-AF65-F5344CB8AC3E}">
-        <p14:creationId xmlns:p14="http://schemas.microsoft.com/office/powerpoint/2010/main" val="2597187614"/>
+        <p14:creationId xmlns:p14="http://schemas.microsoft.com/office/powerpoint/2010/main" val="3071079874"/>
       </p:ext>
     </p:extLst>
   </p:cSld>

--- a/Shared/[FastCampus] 4주차_강의자료_김경원박사.pptx
+++ b/Shared/[FastCampus] 4주차_강의자료_김경원박사.pptx
@@ -5,10 +5,10 @@
     <p:sldMasterId id="2147483648" r:id="rId1"/>
   </p:sldMasterIdLst>
   <p:notesMasterIdLst>
-    <p:notesMasterId r:id="rId41"/>
+    <p:notesMasterId r:id="rId40"/>
   </p:notesMasterIdLst>
   <p:handoutMasterIdLst>
-    <p:handoutMasterId r:id="rId42"/>
+    <p:handoutMasterId r:id="rId41"/>
   </p:handoutMasterIdLst>
   <p:sldIdLst>
     <p:sldId id="1063" r:id="rId2"/>
@@ -19,45 +19,44 @@
     <p:sldId id="1155" r:id="rId7"/>
     <p:sldId id="1156" r:id="rId8"/>
     <p:sldId id="1157" r:id="rId9"/>
-    <p:sldId id="1158" r:id="rId10"/>
-    <p:sldId id="1165" r:id="rId11"/>
-    <p:sldId id="1139" r:id="rId12"/>
-    <p:sldId id="1140" r:id="rId13"/>
-    <p:sldId id="1166" r:id="rId14"/>
-    <p:sldId id="1142" r:id="rId15"/>
-    <p:sldId id="1167" r:id="rId16"/>
-    <p:sldId id="1168" r:id="rId17"/>
-    <p:sldId id="1169" r:id="rId18"/>
-    <p:sldId id="1170" r:id="rId19"/>
-    <p:sldId id="1171" r:id="rId20"/>
-    <p:sldId id="1172" r:id="rId21"/>
-    <p:sldId id="1173" r:id="rId22"/>
-    <p:sldId id="1174" r:id="rId23"/>
-    <p:sldId id="1175" r:id="rId24"/>
-    <p:sldId id="1176" r:id="rId25"/>
-    <p:sldId id="1177" r:id="rId26"/>
-    <p:sldId id="1178" r:id="rId27"/>
-    <p:sldId id="1179" r:id="rId28"/>
-    <p:sldId id="1180" r:id="rId29"/>
-    <p:sldId id="1181" r:id="rId30"/>
-    <p:sldId id="1182" r:id="rId31"/>
-    <p:sldId id="1183" r:id="rId32"/>
-    <p:sldId id="1184" r:id="rId33"/>
-    <p:sldId id="1185" r:id="rId34"/>
-    <p:sldId id="1186" r:id="rId35"/>
-    <p:sldId id="1187" r:id="rId36"/>
-    <p:sldId id="1188" r:id="rId37"/>
-    <p:sldId id="1189" r:id="rId38"/>
-    <p:sldId id="1190" r:id="rId39"/>
-    <p:sldId id="1062" r:id="rId40"/>
+    <p:sldId id="1165" r:id="rId10"/>
+    <p:sldId id="1139" r:id="rId11"/>
+    <p:sldId id="1140" r:id="rId12"/>
+    <p:sldId id="1166" r:id="rId13"/>
+    <p:sldId id="1142" r:id="rId14"/>
+    <p:sldId id="1167" r:id="rId15"/>
+    <p:sldId id="1168" r:id="rId16"/>
+    <p:sldId id="1169" r:id="rId17"/>
+    <p:sldId id="1170" r:id="rId18"/>
+    <p:sldId id="1171" r:id="rId19"/>
+    <p:sldId id="1172" r:id="rId20"/>
+    <p:sldId id="1173" r:id="rId21"/>
+    <p:sldId id="1174" r:id="rId22"/>
+    <p:sldId id="1175" r:id="rId23"/>
+    <p:sldId id="1176" r:id="rId24"/>
+    <p:sldId id="1177" r:id="rId25"/>
+    <p:sldId id="1178" r:id="rId26"/>
+    <p:sldId id="1179" r:id="rId27"/>
+    <p:sldId id="1180" r:id="rId28"/>
+    <p:sldId id="1181" r:id="rId29"/>
+    <p:sldId id="1182" r:id="rId30"/>
+    <p:sldId id="1183" r:id="rId31"/>
+    <p:sldId id="1184" r:id="rId32"/>
+    <p:sldId id="1185" r:id="rId33"/>
+    <p:sldId id="1186" r:id="rId34"/>
+    <p:sldId id="1187" r:id="rId35"/>
+    <p:sldId id="1188" r:id="rId36"/>
+    <p:sldId id="1189" r:id="rId37"/>
+    <p:sldId id="1190" r:id="rId38"/>
+    <p:sldId id="1062" r:id="rId39"/>
   </p:sldIdLst>
   <p:sldSz cx="12160250" cy="6840538"/>
   <p:notesSz cx="9874250" cy="6797675"/>
   <p:embeddedFontLst>
     <p:embeddedFont>
       <p:font typeface="맑은 고딕" panose="020B0503020000020004" pitchFamily="50" charset="-127"/>
-      <p:regular r:id="rId43"/>
-      <p:bold r:id="rId44"/>
+      <p:regular r:id="rId42"/>
+      <p:bold r:id="rId43"/>
     </p:embeddedFont>
   </p:embeddedFontLst>
   <p:defaultTextStyle>
@@ -270,7 +269,7 @@
           <a:p>
             <a:fld id="{FC718EE8-BF93-4A17-BED5-FC99EECA5FC7}" type="datetimeFigureOut">
               <a:rPr lang="ko-KR" altLang="en-US" smtClean="0"/>
-              <a:t>2019-08-04</a:t>
+              <a:t>2020-01-04</a:t>
             </a:fld>
             <a:endParaRPr lang="ko-KR" altLang="en-US"/>
           </a:p>
@@ -435,7 +434,7 @@
           <a:p>
             <a:fld id="{6101F873-BA02-446B-9127-C4DE4310B943}" type="datetimeFigureOut">
               <a:rPr lang="ko-KR" altLang="en-US" smtClean="0"/>
-              <a:t>2019-08-04</a:t>
+              <a:t>2020-01-04</a:t>
             </a:fld>
             <a:endParaRPr lang="ko-KR" altLang="en-US"/>
           </a:p>
@@ -1025,7 +1024,7 @@
           <a:p>
             <a:fld id="{89B5E594-86C5-4F1D-8812-38DF40064943}" type="datetime1">
               <a:rPr lang="ko-KR" altLang="en-US" smtClean="0"/>
-              <a:t>2019-08-04</a:t>
+              <a:t>2020-01-04</a:t>
             </a:fld>
             <a:endParaRPr lang="ko-KR" altLang="en-US"/>
           </a:p>
@@ -1233,7 +1232,7 @@
           <a:p>
             <a:fld id="{05C0B17C-522D-4CD8-8139-01EDEBAB2AF6}" type="datetime1">
               <a:rPr lang="ko-KR" altLang="en-US" smtClean="0"/>
-              <a:t>2019-08-04</a:t>
+              <a:t>2020-01-04</a:t>
             </a:fld>
             <a:endParaRPr lang="ko-KR" altLang="en-US"/>
           </a:p>
@@ -1411,7 +1410,7 @@
           <a:p>
             <a:fld id="{7345261C-38F3-40E7-AAA6-CE27B727AA65}" type="datetime1">
               <a:rPr lang="ko-KR" altLang="en-US" smtClean="0"/>
-              <a:t>2019-08-04</a:t>
+              <a:t>2020-01-04</a:t>
             </a:fld>
             <a:endParaRPr lang="ko-KR" altLang="en-US"/>
           </a:p>
@@ -1579,7 +1578,7 @@
           <a:p>
             <a:fld id="{A8472951-AD8C-47B8-8787-30E2F4BFA1EA}" type="datetime1">
               <a:rPr lang="ko-KR" altLang="en-US" smtClean="0"/>
-              <a:t>2019-08-04</a:t>
+              <a:t>2020-01-04</a:t>
             </a:fld>
             <a:endParaRPr lang="ko-KR" altLang="en-US"/>
           </a:p>
@@ -1834,7 +1833,7 @@
           <a:p>
             <a:fld id="{8BCB1BBF-13D1-46E6-8B8B-C9F26A0BAD91}" type="datetime1">
               <a:rPr lang="ko-KR" altLang="en-US" smtClean="0"/>
-              <a:t>2019-08-04</a:t>
+              <a:t>2020-01-04</a:t>
             </a:fld>
             <a:endParaRPr lang="ko-KR" altLang="en-US"/>
           </a:p>
@@ -2119,7 +2118,7 @@
           <a:p>
             <a:fld id="{B16FDC3D-FD6A-49DF-B101-11717D57279F}" type="datetime1">
               <a:rPr lang="ko-KR" altLang="en-US" smtClean="0"/>
-              <a:t>2019-08-04</a:t>
+              <a:t>2020-01-04</a:t>
             </a:fld>
             <a:endParaRPr lang="ko-KR" altLang="en-US"/>
           </a:p>
@@ -2538,7 +2537,7 @@
           <a:p>
             <a:fld id="{42D411A2-FD90-4A19-98A8-25197A66BC26}" type="datetime1">
               <a:rPr lang="ko-KR" altLang="en-US" smtClean="0"/>
-              <a:t>2019-08-04</a:t>
+              <a:t>2020-01-04</a:t>
             </a:fld>
             <a:endParaRPr lang="ko-KR" altLang="en-US"/>
           </a:p>
@@ -2655,7 +2654,7 @@
           <a:p>
             <a:fld id="{F6E6B532-6471-449A-9A2F-4428556C2F98}" type="datetime1">
               <a:rPr lang="ko-KR" altLang="en-US" smtClean="0"/>
-              <a:t>2019-08-04</a:t>
+              <a:t>2020-01-04</a:t>
             </a:fld>
             <a:endParaRPr lang="ko-KR" altLang="en-US"/>
           </a:p>
@@ -2750,7 +2749,7 @@
           <a:p>
             <a:fld id="{45A9E13B-856D-4562-A86D-A2B6F7BF810F}" type="datetime1">
               <a:rPr lang="ko-KR" altLang="en-US" smtClean="0"/>
-              <a:t>2019-08-04</a:t>
+              <a:t>2020-01-04</a:t>
             </a:fld>
             <a:endParaRPr lang="ko-KR" altLang="en-US"/>
           </a:p>
@@ -3025,7 +3024,7 @@
           <a:p>
             <a:fld id="{A672FB3A-7E9E-4380-9381-6FCA87FBB41A}" type="datetime1">
               <a:rPr lang="ko-KR" altLang="en-US" smtClean="0"/>
-              <a:t>2019-08-04</a:t>
+              <a:t>2020-01-04</a:t>
             </a:fld>
             <a:endParaRPr lang="ko-KR" altLang="en-US"/>
           </a:p>
@@ -3277,7 +3276,7 @@
           <a:p>
             <a:fld id="{3948CCBA-1514-4E9E-888A-807450F810B0}" type="datetime1">
               <a:rPr lang="ko-KR" altLang="en-US" smtClean="0"/>
-              <a:t>2019-08-04</a:t>
+              <a:t>2020-01-04</a:t>
             </a:fld>
             <a:endParaRPr lang="ko-KR" altLang="en-US"/>
           </a:p>
@@ -3490,7 +3489,7 @@
           <a:p>
             <a:fld id="{170EDEE7-370E-499F-B978-ABF387098974}" type="datetime1">
               <a:rPr lang="ko-KR" altLang="en-US" smtClean="0"/>
-              <a:t>2019-08-04</a:t>
+              <a:t>2020-01-04</a:t>
             </a:fld>
             <a:endParaRPr lang="ko-KR" altLang="en-US" dirty="0"/>
           </a:p>
@@ -4093,7 +4092,7 @@
         </p:nvSpPr>
         <p:spPr>
           <a:xfrm>
-            <a:off x="608010" y="395933"/>
+            <a:off x="608012" y="539949"/>
             <a:ext cx="10944225" cy="1140090"/>
           </a:xfrm>
         </p:spPr>
@@ -4160,150 +4159,6 @@
               <a:rPr lang="ko-KR" altLang="en-US" smtClean="0"/>
               <a:pPr/>
               <a:t>10</a:t>
-            </a:fld>
-            <a:endParaRPr lang="ko-KR" altLang="en-US" dirty="0"/>
-          </a:p>
-        </p:txBody>
-      </p:sp>
-      <p:pic>
-        <p:nvPicPr>
-          <p:cNvPr id="2" name="그림 1">
-            <a:extLst>
-              <a:ext uri="{FF2B5EF4-FFF2-40B4-BE49-F238E27FC236}">
-                <a16:creationId xmlns:a16="http://schemas.microsoft.com/office/drawing/2014/main" id="{77FEFA4D-188C-40B4-8E76-160945BFBC5B}"/>
-              </a:ext>
-            </a:extLst>
-          </p:cNvPr>
-          <p:cNvPicPr>
-            <a:picLocks noChangeAspect="1"/>
-          </p:cNvPicPr>
-          <p:nvPr/>
-        </p:nvPicPr>
-        <p:blipFill>
-          <a:blip r:embed="rId2"/>
-          <a:stretch>
-            <a:fillRect/>
-          </a:stretch>
-        </p:blipFill>
-        <p:spPr>
-          <a:xfrm>
-            <a:off x="1379536" y="1277938"/>
-            <a:ext cx="9401175" cy="5562600"/>
-          </a:xfrm>
-          <a:prstGeom prst="rect">
-            <a:avLst/>
-          </a:prstGeom>
-        </p:spPr>
-      </p:pic>
-    </p:spTree>
-    <p:extLst>
-      <p:ext uri="{BB962C8B-B14F-4D97-AF65-F5344CB8AC3E}">
-        <p14:creationId xmlns:p14="http://schemas.microsoft.com/office/powerpoint/2010/main" val="3857964066"/>
-      </p:ext>
-    </p:extLst>
-  </p:cSld>
-  <p:clrMapOvr>
-    <a:masterClrMapping/>
-  </p:clrMapOvr>
-</p:sld>
-</file>
-
-<file path=ppt/slides/slide11.xml><?xml version="1.0" encoding="utf-8"?>
-<p:sld xmlns:a="http://schemas.openxmlformats.org/drawingml/2006/main" xmlns:r="http://schemas.openxmlformats.org/officeDocument/2006/relationships" xmlns:p="http://schemas.openxmlformats.org/presentationml/2006/main">
-  <p:cSld>
-    <p:spTree>
-      <p:nvGrpSpPr>
-        <p:cNvPr id="1" name=""/>
-        <p:cNvGrpSpPr/>
-        <p:nvPr/>
-      </p:nvGrpSpPr>
-      <p:grpSpPr>
-        <a:xfrm>
-          <a:off x="0" y="0"/>
-          <a:ext cx="0" cy="0"/>
-          <a:chOff x="0" y="0"/>
-          <a:chExt cx="0" cy="0"/>
-        </a:xfrm>
-      </p:grpSpPr>
-      <p:sp>
-        <p:nvSpPr>
-          <p:cNvPr id="5" name="제목 4"/>
-          <p:cNvSpPr>
-            <a:spLocks noGrp="1"/>
-          </p:cNvSpPr>
-          <p:nvPr>
-            <p:ph type="title"/>
-          </p:nvPr>
-        </p:nvSpPr>
-        <p:spPr>
-          <a:xfrm>
-            <a:off x="608012" y="539949"/>
-            <a:ext cx="10944225" cy="1140090"/>
-          </a:xfrm>
-        </p:spPr>
-        <p:txBody>
-          <a:bodyPr>
-            <a:normAutofit/>
-          </a:bodyPr>
-          <a:lstStyle/>
-          <a:p>
-            <a:pPr algn="l"/>
-            <a:r>
-              <a:rPr lang="en-US" altLang="ko-KR" sz="4400" dirty="0">
-                <a:solidFill>
-                  <a:schemeClr val="tx1">
-                    <a:lumMod val="75000"/>
-                    <a:lumOff val="25000"/>
-                  </a:schemeClr>
-                </a:solidFill>
-                <a:latin typeface="Noto Sans CJK KR Black" pitchFamily="34" charset="-127"/>
-                <a:ea typeface="Noto Sans CJK KR Black" pitchFamily="34" charset="-127"/>
-              </a:rPr>
-              <a:t>4. </a:t>
-            </a:r>
-            <a:r>
-              <a:rPr lang="ko-KR" altLang="en-US" sz="4400" dirty="0">
-                <a:solidFill>
-                  <a:schemeClr val="tx1">
-                    <a:lumMod val="75000"/>
-                    <a:lumOff val="25000"/>
-                  </a:schemeClr>
-                </a:solidFill>
-                <a:latin typeface="Noto Sans CJK KR Black" pitchFamily="34" charset="-127"/>
-                <a:ea typeface="Noto Sans CJK KR Black" pitchFamily="34" charset="-127"/>
-              </a:rPr>
-              <a:t>시계열 분석</a:t>
-            </a:r>
-            <a:endParaRPr lang="ko-KR" altLang="en-US" sz="4400" dirty="0">
-              <a:solidFill>
-                <a:schemeClr val="tx1">
-                  <a:lumMod val="75000"/>
-                  <a:lumOff val="25000"/>
-                </a:schemeClr>
-              </a:solidFill>
-            </a:endParaRPr>
-          </a:p>
-        </p:txBody>
-      </p:sp>
-      <p:sp>
-        <p:nvSpPr>
-          <p:cNvPr id="3" name="슬라이드 번호 개체 틀 2"/>
-          <p:cNvSpPr>
-            <a:spLocks noGrp="1"/>
-          </p:cNvSpPr>
-          <p:nvPr>
-            <p:ph type="sldNum" sz="quarter" idx="12"/>
-          </p:nvPr>
-        </p:nvSpPr>
-        <p:spPr/>
-        <p:txBody>
-          <a:bodyPr/>
-          <a:lstStyle/>
-          <a:p>
-            <a:fld id="{6DDAE2C3-1A0B-474A-8CE8-AE55B8D9D4B1}" type="slidenum">
-              <a:rPr lang="ko-KR" altLang="en-US" smtClean="0"/>
-              <a:pPr/>
-              <a:t>11</a:t>
             </a:fld>
             <a:endParaRPr lang="ko-KR" altLang="en-US" dirty="0"/>
           </a:p>
@@ -4352,7 +4207,7 @@
 </p:sld>
 </file>
 
-<file path=ppt/slides/slide12.xml><?xml version="1.0" encoding="utf-8"?>
+<file path=ppt/slides/slide11.xml><?xml version="1.0" encoding="utf-8"?>
 <p:sld xmlns:a="http://schemas.openxmlformats.org/drawingml/2006/main" xmlns:r="http://schemas.openxmlformats.org/officeDocument/2006/relationships" xmlns:p="http://schemas.openxmlformats.org/presentationml/2006/main">
   <p:cSld>
     <p:spTree>
@@ -4447,7 +4302,7 @@
             <a:fld id="{6DDAE2C3-1A0B-474A-8CE8-AE55B8D9D4B1}" type="slidenum">
               <a:rPr lang="ko-KR" altLang="en-US" smtClean="0"/>
               <a:pPr/>
-              <a:t>12</a:t>
+              <a:t>11</a:t>
             </a:fld>
             <a:endParaRPr lang="ko-KR" altLang="en-US" dirty="0"/>
           </a:p>
@@ -4496,7 +4351,7 @@
 </p:sld>
 </file>
 
-<file path=ppt/slides/slide13.xml><?xml version="1.0" encoding="utf-8"?>
+<file path=ppt/slides/slide12.xml><?xml version="1.0" encoding="utf-8"?>
 <p:sld xmlns:a="http://schemas.openxmlformats.org/drawingml/2006/main" xmlns:r="http://schemas.openxmlformats.org/officeDocument/2006/relationships" xmlns:p="http://schemas.openxmlformats.org/presentationml/2006/main">
   <p:cSld>
     <p:spTree>
@@ -4591,7 +4446,7 @@
             <a:fld id="{6DDAE2C3-1A0B-474A-8CE8-AE55B8D9D4B1}" type="slidenum">
               <a:rPr lang="ko-KR" altLang="en-US" smtClean="0"/>
               <a:pPr/>
-              <a:t>13</a:t>
+              <a:t>12</a:t>
             </a:fld>
             <a:endParaRPr lang="ko-KR" altLang="en-US" dirty="0"/>
           </a:p>
@@ -4640,7 +4495,7 @@
 </p:sld>
 </file>
 
-<file path=ppt/slides/slide14.xml><?xml version="1.0" encoding="utf-8"?>
+<file path=ppt/slides/slide13.xml><?xml version="1.0" encoding="utf-8"?>
 <p:sld xmlns:a="http://schemas.openxmlformats.org/drawingml/2006/main" xmlns:r="http://schemas.openxmlformats.org/officeDocument/2006/relationships" xmlns:p="http://schemas.openxmlformats.org/presentationml/2006/main">
   <p:cSld>
     <p:spTree>
@@ -4735,7 +4590,7 @@
             <a:fld id="{6DDAE2C3-1A0B-474A-8CE8-AE55B8D9D4B1}" type="slidenum">
               <a:rPr lang="ko-KR" altLang="en-US" smtClean="0"/>
               <a:pPr/>
-              <a:t>14</a:t>
+              <a:t>13</a:t>
             </a:fld>
             <a:endParaRPr lang="ko-KR" altLang="en-US" dirty="0"/>
           </a:p>
@@ -4784,7 +4639,7 @@
 </p:sld>
 </file>
 
-<file path=ppt/slides/slide15.xml><?xml version="1.0" encoding="utf-8"?>
+<file path=ppt/slides/slide14.xml><?xml version="1.0" encoding="utf-8"?>
 <p:sld xmlns:a="http://schemas.openxmlformats.org/drawingml/2006/main" xmlns:r="http://schemas.openxmlformats.org/officeDocument/2006/relationships" xmlns:p="http://schemas.openxmlformats.org/presentationml/2006/main">
   <p:cSld>
     <p:spTree>
@@ -4879,7 +4734,7 @@
             <a:fld id="{6DDAE2C3-1A0B-474A-8CE8-AE55B8D9D4B1}" type="slidenum">
               <a:rPr lang="ko-KR" altLang="en-US" smtClean="0"/>
               <a:pPr/>
-              <a:t>15</a:t>
+              <a:t>14</a:t>
             </a:fld>
             <a:endParaRPr lang="ko-KR" altLang="en-US" dirty="0"/>
           </a:p>
@@ -4928,7 +4783,7 @@
 </p:sld>
 </file>
 
-<file path=ppt/slides/slide16.xml><?xml version="1.0" encoding="utf-8"?>
+<file path=ppt/slides/slide15.xml><?xml version="1.0" encoding="utf-8"?>
 <p:sld xmlns:a="http://schemas.openxmlformats.org/drawingml/2006/main" xmlns:r="http://schemas.openxmlformats.org/officeDocument/2006/relationships" xmlns:p="http://schemas.openxmlformats.org/presentationml/2006/main">
   <p:cSld>
     <p:spTree>
@@ -5023,7 +4878,7 @@
             <a:fld id="{6DDAE2C3-1A0B-474A-8CE8-AE55B8D9D4B1}" type="slidenum">
               <a:rPr lang="ko-KR" altLang="en-US" smtClean="0"/>
               <a:pPr/>
-              <a:t>16</a:t>
+              <a:t>15</a:t>
             </a:fld>
             <a:endParaRPr lang="ko-KR" altLang="en-US" dirty="0"/>
           </a:p>
@@ -5072,7 +4927,7 @@
 </p:sld>
 </file>
 
-<file path=ppt/slides/slide17.xml><?xml version="1.0" encoding="utf-8"?>
+<file path=ppt/slides/slide16.xml><?xml version="1.0" encoding="utf-8"?>
 <p:sld xmlns:a="http://schemas.openxmlformats.org/drawingml/2006/main" xmlns:r="http://schemas.openxmlformats.org/officeDocument/2006/relationships" xmlns:p="http://schemas.openxmlformats.org/presentationml/2006/main">
   <p:cSld>
     <p:spTree>
@@ -5167,7 +5022,7 @@
             <a:fld id="{6DDAE2C3-1A0B-474A-8CE8-AE55B8D9D4B1}" type="slidenum">
               <a:rPr lang="ko-KR" altLang="en-US" smtClean="0"/>
               <a:pPr/>
-              <a:t>17</a:t>
+              <a:t>16</a:t>
             </a:fld>
             <a:endParaRPr lang="ko-KR" altLang="en-US" dirty="0"/>
           </a:p>
@@ -5216,7 +5071,7 @@
 </p:sld>
 </file>
 
-<file path=ppt/slides/slide18.xml><?xml version="1.0" encoding="utf-8"?>
+<file path=ppt/slides/slide17.xml><?xml version="1.0" encoding="utf-8"?>
 <p:sld xmlns:a="http://schemas.openxmlformats.org/drawingml/2006/main" xmlns:r="http://schemas.openxmlformats.org/officeDocument/2006/relationships" xmlns:p="http://schemas.openxmlformats.org/presentationml/2006/main">
   <p:cSld>
     <p:spTree>
@@ -5311,7 +5166,7 @@
             <a:fld id="{6DDAE2C3-1A0B-474A-8CE8-AE55B8D9D4B1}" type="slidenum">
               <a:rPr lang="ko-KR" altLang="en-US" smtClean="0"/>
               <a:pPr/>
-              <a:t>18</a:t>
+              <a:t>17</a:t>
             </a:fld>
             <a:endParaRPr lang="ko-KR" altLang="en-US" dirty="0"/>
           </a:p>
@@ -5360,7 +5215,7 @@
 </p:sld>
 </file>
 
-<file path=ppt/slides/slide19.xml><?xml version="1.0" encoding="utf-8"?>
+<file path=ppt/slides/slide18.xml><?xml version="1.0" encoding="utf-8"?>
 <p:sld xmlns:a="http://schemas.openxmlformats.org/drawingml/2006/main" xmlns:r="http://schemas.openxmlformats.org/officeDocument/2006/relationships" xmlns:p="http://schemas.openxmlformats.org/presentationml/2006/main">
   <p:cSld>
     <p:spTree>
@@ -5455,7 +5310,7 @@
             <a:fld id="{6DDAE2C3-1A0B-474A-8CE8-AE55B8D9D4B1}" type="slidenum">
               <a:rPr lang="ko-KR" altLang="en-US" smtClean="0"/>
               <a:pPr/>
-              <a:t>19</a:t>
+              <a:t>18</a:t>
             </a:fld>
             <a:endParaRPr lang="ko-KR" altLang="en-US" dirty="0"/>
           </a:p>
@@ -5504,780 +5359,7 @@
 </p:sld>
 </file>
 
-<file path=ppt/slides/slide2.xml><?xml version="1.0" encoding="utf-8"?>
-<p:sld xmlns:a="http://schemas.openxmlformats.org/drawingml/2006/main" xmlns:r="http://schemas.openxmlformats.org/officeDocument/2006/relationships" xmlns:p="http://schemas.openxmlformats.org/presentationml/2006/main">
-  <p:cSld>
-    <p:bg>
-      <p:bgPr>
-        <a:solidFill>
-          <a:schemeClr val="bg1">
-            <a:lumMod val="65000"/>
-          </a:schemeClr>
-        </a:solidFill>
-        <a:effectLst/>
-      </p:bgPr>
-    </p:bg>
-    <p:spTree>
-      <p:nvGrpSpPr>
-        <p:cNvPr id="1" name=""/>
-        <p:cNvGrpSpPr/>
-        <p:nvPr/>
-      </p:nvGrpSpPr>
-      <p:grpSpPr>
-        <a:xfrm>
-          <a:off x="0" y="0"/>
-          <a:ext cx="0" cy="0"/>
-          <a:chOff x="0" y="0"/>
-          <a:chExt cx="0" cy="0"/>
-        </a:xfrm>
-      </p:grpSpPr>
-      <p:sp>
-        <p:nvSpPr>
-          <p:cNvPr id="4" name="슬라이드 번호 개체 틀 3"/>
-          <p:cNvSpPr>
-            <a:spLocks noGrp="1"/>
-          </p:cNvSpPr>
-          <p:nvPr>
-            <p:ph type="sldNum" sz="quarter" idx="12"/>
-          </p:nvPr>
-        </p:nvSpPr>
-        <p:spPr/>
-        <p:txBody>
-          <a:bodyPr/>
-          <a:lstStyle/>
-          <a:p>
-            <a:pPr marL="0" marR="0" lvl="0" indent="0" algn="r" defTabSz="1107796" rtl="0" eaLnBrk="1" fontAlgn="auto" latinLnBrk="1" hangingPunct="1">
-              <a:lnSpc>
-                <a:spcPct val="100000"/>
-              </a:lnSpc>
-              <a:spcBef>
-                <a:spcPts val="0"/>
-              </a:spcBef>
-              <a:spcAft>
-                <a:spcPts val="0"/>
-              </a:spcAft>
-              <a:buClrTx/>
-              <a:buSzTx/>
-              <a:buFontTx/>
-              <a:buNone/>
-              <a:tabLst/>
-              <a:defRPr/>
-            </a:pPr>
-            <a:fld id="{6DDAE2C3-1A0B-474A-8CE8-AE55B8D9D4B1}" type="slidenum">
-              <a:rPr kumimoji="0" lang="ko-KR" altLang="en-US" sz="900" b="0" i="0" u="none" strike="noStrike" kern="1200" cap="none" spc="0" normalizeH="0" baseline="0" noProof="0" smtClean="0">
-                <a:ln>
-                  <a:noFill/>
-                </a:ln>
-                <a:solidFill>
-                  <a:prstClr val="black">
-                    <a:tint val="75000"/>
-                  </a:prstClr>
-                </a:solidFill>
-                <a:effectLst/>
-                <a:uLnTx/>
-                <a:uFillTx/>
-                <a:ea typeface="Noto Sans CJK KR Bold" panose="020B0800000000000000" pitchFamily="34" charset="-127"/>
-                <a:cs typeface="+mn-cs"/>
-              </a:rPr>
-              <a:pPr marL="0" marR="0" lvl="0" indent="0" algn="r" defTabSz="1107796" rtl="0" eaLnBrk="1" fontAlgn="auto" latinLnBrk="1" hangingPunct="1">
-                <a:lnSpc>
-                  <a:spcPct val="100000"/>
-                </a:lnSpc>
-                <a:spcBef>
-                  <a:spcPts val="0"/>
-                </a:spcBef>
-                <a:spcAft>
-                  <a:spcPts val="0"/>
-                </a:spcAft>
-                <a:buClrTx/>
-                <a:buSzTx/>
-                <a:buFontTx/>
-                <a:buNone/>
-                <a:tabLst/>
-                <a:defRPr/>
-              </a:pPr>
-              <a:t>2</a:t>
-            </a:fld>
-            <a:endParaRPr kumimoji="0" lang="ko-KR" altLang="en-US" sz="900" b="0" i="0" u="none" strike="noStrike" kern="1200" cap="none" spc="0" normalizeH="0" baseline="0" noProof="0" dirty="0">
-              <a:ln>
-                <a:noFill/>
-              </a:ln>
-              <a:solidFill>
-                <a:prstClr val="black">
-                  <a:tint val="75000"/>
-                </a:prstClr>
-              </a:solidFill>
-              <a:effectLst/>
-              <a:uLnTx/>
-              <a:uFillTx/>
-              <a:ea typeface="Noto Sans CJK KR Bold" panose="020B0800000000000000" pitchFamily="34" charset="-127"/>
-              <a:cs typeface="+mn-cs"/>
-            </a:endParaRPr>
-          </a:p>
-        </p:txBody>
-      </p:sp>
-      <p:sp>
-        <p:nvSpPr>
-          <p:cNvPr id="11" name="TextBox 10"/>
-          <p:cNvSpPr txBox="1"/>
-          <p:nvPr/>
-        </p:nvSpPr>
-        <p:spPr>
-          <a:xfrm>
-            <a:off x="542135" y="855851"/>
-            <a:ext cx="11298630" cy="2708434"/>
-          </a:xfrm>
-          <a:prstGeom prst="rect">
-            <a:avLst/>
-          </a:prstGeom>
-          <a:noFill/>
-        </p:spPr>
-        <p:txBody>
-          <a:bodyPr wrap="square" lIns="0" tIns="0" rIns="0" bIns="0" rtlCol="0" anchor="t">
-            <a:spAutoFit/>
-          </a:bodyPr>
-          <a:lstStyle/>
-          <a:p>
-            <a:pPr marL="0" marR="0" lvl="0" indent="0" algn="l" defTabSz="1107796" rtl="0" eaLnBrk="1" fontAlgn="auto" latinLnBrk="1" hangingPunct="1">
-              <a:lnSpc>
-                <a:spcPct val="100000"/>
-              </a:lnSpc>
-              <a:spcBef>
-                <a:spcPts val="0"/>
-              </a:spcBef>
-              <a:spcAft>
-                <a:spcPts val="0"/>
-              </a:spcAft>
-              <a:buClrTx/>
-              <a:buSzTx/>
-              <a:buFontTx/>
-              <a:buNone/>
-              <a:tabLst/>
-              <a:defRPr/>
-            </a:pPr>
-            <a:r>
-              <a:rPr kumimoji="0" lang="en-US" altLang="ko-KR" sz="4400" b="0" i="0" u="none" strike="noStrike" kern="1200" cap="none" spc="0" normalizeH="0" baseline="0" noProof="0" dirty="0">
-                <a:ln>
-                  <a:noFill/>
-                </a:ln>
-                <a:solidFill>
-                  <a:prstClr val="white"/>
-                </a:solidFill>
-                <a:effectLst/>
-                <a:uLnTx/>
-                <a:uFillTx/>
-                <a:latin typeface="Noto Sans CJK KR Black" panose="020B0A00000000000000" pitchFamily="34" charset="-127"/>
-                <a:ea typeface="Noto Sans CJK KR Black" panose="020B0A00000000000000" pitchFamily="34" charset="-127"/>
-                <a:cs typeface="+mn-cs"/>
-              </a:rPr>
-              <a:t>3</a:t>
-            </a:r>
-            <a:r>
-              <a:rPr kumimoji="0" lang="ko-KR" altLang="en-US" sz="4400" b="0" i="0" u="none" strike="noStrike" kern="1200" cap="none" spc="0" normalizeH="0" baseline="0" noProof="0" dirty="0">
-                <a:ln>
-                  <a:noFill/>
-                </a:ln>
-                <a:solidFill>
-                  <a:prstClr val="white"/>
-                </a:solidFill>
-                <a:effectLst/>
-                <a:uLnTx/>
-                <a:uFillTx/>
-                <a:latin typeface="Noto Sans CJK KR Black" panose="020B0A00000000000000" pitchFamily="34" charset="-127"/>
-                <a:ea typeface="Noto Sans CJK KR Black" panose="020B0A00000000000000" pitchFamily="34" charset="-127"/>
-                <a:cs typeface="+mn-cs"/>
-              </a:rPr>
-              <a:t>주차 </a:t>
-            </a:r>
-            <a:endParaRPr kumimoji="0" lang="en-US" altLang="ko-KR" sz="4400" b="0" i="0" u="none" strike="noStrike" kern="1200" cap="none" spc="0" normalizeH="0" baseline="0" noProof="0" dirty="0">
-              <a:ln>
-                <a:noFill/>
-              </a:ln>
-              <a:solidFill>
-                <a:prstClr val="white"/>
-              </a:solidFill>
-              <a:effectLst/>
-              <a:uLnTx/>
-              <a:uFillTx/>
-              <a:latin typeface="Noto Sans CJK KR Black" panose="020B0A00000000000000" pitchFamily="34" charset="-127"/>
-              <a:ea typeface="Noto Sans CJK KR Black" panose="020B0A00000000000000" pitchFamily="34" charset="-127"/>
-              <a:cs typeface="+mn-cs"/>
-            </a:endParaRPr>
-          </a:p>
-          <a:p>
-            <a:pPr marL="0" marR="0" lvl="0" indent="0" algn="l" defTabSz="1107796" rtl="0" eaLnBrk="1" fontAlgn="auto" latinLnBrk="1" hangingPunct="1">
-              <a:lnSpc>
-                <a:spcPct val="100000"/>
-              </a:lnSpc>
-              <a:spcBef>
-                <a:spcPts val="0"/>
-              </a:spcBef>
-              <a:spcAft>
-                <a:spcPts val="0"/>
-              </a:spcAft>
-              <a:buClrTx/>
-              <a:buSzTx/>
-              <a:buFontTx/>
-              <a:buNone/>
-              <a:tabLst/>
-              <a:defRPr/>
-            </a:pPr>
-            <a:r>
-              <a:rPr kumimoji="0" lang="ko-KR" altLang="en-US" sz="4400" b="0" i="0" u="none" strike="noStrike" kern="1200" cap="none" spc="0" normalizeH="0" baseline="0" noProof="0" dirty="0">
-                <a:ln>
-                  <a:noFill/>
-                </a:ln>
-                <a:solidFill>
-                  <a:prstClr val="white"/>
-                </a:solidFill>
-                <a:effectLst/>
-                <a:uLnTx/>
-                <a:uFillTx/>
-                <a:latin typeface="Noto Sans CJK KR Black" panose="020B0A00000000000000" pitchFamily="34" charset="-127"/>
-                <a:ea typeface="Noto Sans CJK KR Black" panose="020B0A00000000000000" pitchFamily="34" charset="-127"/>
-                <a:cs typeface="+mn-cs"/>
-              </a:rPr>
-              <a:t>강의의 목적</a:t>
-            </a:r>
-            <a:endParaRPr kumimoji="0" lang="en-US" altLang="ko-KR" sz="4400" b="0" i="0" u="none" strike="noStrike" kern="1200" cap="none" spc="0" normalizeH="0" baseline="0" noProof="0" dirty="0">
-              <a:ln>
-                <a:noFill/>
-              </a:ln>
-              <a:solidFill>
-                <a:prstClr val="white"/>
-              </a:solidFill>
-              <a:effectLst/>
-              <a:uLnTx/>
-              <a:uFillTx/>
-              <a:latin typeface="Noto Sans CJK KR Black" panose="020B0A00000000000000" pitchFamily="34" charset="-127"/>
-              <a:ea typeface="Noto Sans CJK KR Black" panose="020B0A00000000000000" pitchFamily="34" charset="-127"/>
-              <a:cs typeface="+mn-cs"/>
-            </a:endParaRPr>
-          </a:p>
-          <a:p>
-            <a:pPr marL="0" marR="0" lvl="0" indent="0" algn="l" defTabSz="1107796" rtl="0" eaLnBrk="1" fontAlgn="auto" latinLnBrk="1" hangingPunct="1">
-              <a:lnSpc>
-                <a:spcPct val="100000"/>
-              </a:lnSpc>
-              <a:spcBef>
-                <a:spcPts val="0"/>
-              </a:spcBef>
-              <a:spcAft>
-                <a:spcPts val="0"/>
-              </a:spcAft>
-              <a:buClrTx/>
-              <a:buSzTx/>
-              <a:buFontTx/>
-              <a:buNone/>
-              <a:tabLst/>
-              <a:defRPr/>
-            </a:pPr>
-            <a:endParaRPr kumimoji="0" lang="en-US" altLang="ko-KR" sz="4400" b="0" i="0" u="none" strike="noStrike" kern="1200" cap="none" spc="0" normalizeH="0" baseline="0" noProof="0" dirty="0">
-              <a:ln>
-                <a:noFill/>
-              </a:ln>
-              <a:solidFill>
-                <a:prstClr val="white"/>
-              </a:solidFill>
-              <a:effectLst/>
-              <a:uLnTx/>
-              <a:uFillTx/>
-              <a:latin typeface="Noto Sans CJK KR Black" panose="020B0A00000000000000" pitchFamily="34" charset="-127"/>
-              <a:ea typeface="Noto Sans CJK KR Black" panose="020B0A00000000000000" pitchFamily="34" charset="-127"/>
-              <a:cs typeface="+mn-cs"/>
-            </a:endParaRPr>
-          </a:p>
-          <a:p>
-            <a:pPr marL="0" marR="0" lvl="0" indent="0" algn="l" defTabSz="1107796" rtl="0" eaLnBrk="1" fontAlgn="auto" latinLnBrk="1" hangingPunct="1">
-              <a:lnSpc>
-                <a:spcPct val="100000"/>
-              </a:lnSpc>
-              <a:spcBef>
-                <a:spcPts val="0"/>
-              </a:spcBef>
-              <a:spcAft>
-                <a:spcPts val="0"/>
-              </a:spcAft>
-              <a:buClrTx/>
-              <a:buSzTx/>
-              <a:buFontTx/>
-              <a:buNone/>
-              <a:tabLst/>
-              <a:defRPr/>
-            </a:pPr>
-            <a:endParaRPr kumimoji="0" lang="en-US" altLang="ko-KR" sz="4400" b="0" i="0" u="none" strike="noStrike" kern="1200" cap="none" spc="0" normalizeH="0" baseline="0" noProof="0" dirty="0">
-              <a:ln>
-                <a:noFill/>
-              </a:ln>
-              <a:solidFill>
-                <a:prstClr val="white"/>
-              </a:solidFill>
-              <a:effectLst/>
-              <a:uLnTx/>
-              <a:uFillTx/>
-              <a:latin typeface="Noto Sans CJK KR Black" panose="020B0A00000000000000" pitchFamily="34" charset="-127"/>
-              <a:ea typeface="Noto Sans CJK KR Black" panose="020B0A00000000000000" pitchFamily="34" charset="-127"/>
-              <a:cs typeface="+mn-cs"/>
-            </a:endParaRPr>
-          </a:p>
-        </p:txBody>
-      </p:sp>
-      <p:sp>
-        <p:nvSpPr>
-          <p:cNvPr id="12" name="TextBox 11"/>
-          <p:cNvSpPr txBox="1"/>
-          <p:nvPr/>
-        </p:nvSpPr>
-        <p:spPr>
-          <a:xfrm>
-            <a:off x="4783981" y="611957"/>
-            <a:ext cx="7056784" cy="216726"/>
-          </a:xfrm>
-          <a:prstGeom prst="rect">
-            <a:avLst/>
-          </a:prstGeom>
-          <a:noFill/>
-        </p:spPr>
-        <p:txBody>
-          <a:bodyPr wrap="square" lIns="0" tIns="0" rIns="0" bIns="0" rtlCol="0" anchor="t">
-            <a:spAutoFit/>
-          </a:bodyPr>
-          <a:lstStyle/>
-          <a:p>
-            <a:pPr marL="0" marR="0" lvl="0" indent="0" algn="l" defTabSz="1107796" rtl="0" eaLnBrk="1" fontAlgn="auto" latinLnBrk="1" hangingPunct="1">
-              <a:lnSpc>
-                <a:spcPct val="150000"/>
-              </a:lnSpc>
-              <a:spcBef>
-                <a:spcPts val="0"/>
-              </a:spcBef>
-              <a:spcAft>
-                <a:spcPts val="0"/>
-              </a:spcAft>
-              <a:buClrTx/>
-              <a:buSzTx/>
-              <a:buFontTx/>
-              <a:buNone/>
-              <a:tabLst/>
-              <a:defRPr/>
-            </a:pPr>
-            <a:endParaRPr kumimoji="0" lang="en-US" altLang="ko-KR" sz="1050" b="0" i="0" u="none" strike="noStrike" kern="1200" cap="none" spc="0" normalizeH="0" baseline="0" noProof="0" dirty="0">
-              <a:ln>
-                <a:noFill/>
-              </a:ln>
-              <a:solidFill>
-                <a:prstClr val="white"/>
-              </a:solidFill>
-              <a:effectLst/>
-              <a:uLnTx/>
-              <a:uFillTx/>
-              <a:latin typeface="Noto Sans CJK KR Medium" panose="020B0600000000000000" pitchFamily="34" charset="-127"/>
-              <a:ea typeface="Noto Sans CJK KR Medium" panose="020B0600000000000000" pitchFamily="34" charset="-127"/>
-              <a:cs typeface="+mn-cs"/>
-            </a:endParaRPr>
-          </a:p>
-        </p:txBody>
-      </p:sp>
-      <p:pic>
-        <p:nvPicPr>
-          <p:cNvPr id="6" name="그림 5">
-            <a:extLst>
-              <a:ext uri="{FF2B5EF4-FFF2-40B4-BE49-F238E27FC236}">
-                <a16:creationId xmlns:a16="http://schemas.microsoft.com/office/drawing/2014/main" id="{DB5EDEC6-8B0A-462F-8B63-AB96D03FE054}"/>
-              </a:ext>
-            </a:extLst>
-          </p:cNvPr>
-          <p:cNvPicPr>
-            <a:picLocks noChangeAspect="1"/>
-          </p:cNvPicPr>
-          <p:nvPr/>
-        </p:nvPicPr>
-        <p:blipFill>
-          <a:blip r:embed="rId3">
-            <a:extLst>
-              <a:ext uri="{28A0092B-C50C-407E-A947-70E740481C1C}">
-                <a14:useLocalDpi xmlns:a14="http://schemas.microsoft.com/office/drawing/2010/main" val="0"/>
-              </a:ext>
-            </a:extLst>
-          </a:blip>
-          <a:stretch>
-            <a:fillRect/>
-          </a:stretch>
-        </p:blipFill>
-        <p:spPr>
-          <a:xfrm>
-            <a:off x="4604447" y="36115"/>
-            <a:ext cx="7555803" cy="6840538"/>
-          </a:xfrm>
-          <a:prstGeom prst="rect">
-            <a:avLst/>
-          </a:prstGeom>
-        </p:spPr>
-      </p:pic>
-      <p:sp>
-        <p:nvSpPr>
-          <p:cNvPr id="2" name="TextBox 1">
-            <a:extLst>
-              <a:ext uri="{FF2B5EF4-FFF2-40B4-BE49-F238E27FC236}">
-                <a16:creationId xmlns:a16="http://schemas.microsoft.com/office/drawing/2014/main" id="{8060EEAE-53E1-49A6-9042-250FCF40B0FE}"/>
-              </a:ext>
-            </a:extLst>
-          </p:cNvPr>
-          <p:cNvSpPr txBox="1"/>
-          <p:nvPr/>
-        </p:nvSpPr>
-        <p:spPr>
-          <a:xfrm>
-            <a:off x="8312373" y="3348261"/>
-            <a:ext cx="3685698" cy="3477875"/>
-          </a:xfrm>
-          <a:prstGeom prst="rect">
-            <a:avLst/>
-          </a:prstGeom>
-          <a:noFill/>
-          <a:ln w="38100">
-            <a:solidFill>
-              <a:srgbClr val="FF0000"/>
-            </a:solidFill>
-          </a:ln>
-        </p:spPr>
-        <p:txBody>
-          <a:bodyPr wrap="square" rtlCol="0">
-            <a:spAutoFit/>
-          </a:bodyPr>
-          <a:lstStyle/>
-          <a:p>
-            <a:pPr marL="0" marR="0" lvl="0" indent="0" algn="l" defTabSz="1107796" rtl="0" eaLnBrk="1" fontAlgn="auto" latinLnBrk="1" hangingPunct="1">
-              <a:lnSpc>
-                <a:spcPct val="100000"/>
-              </a:lnSpc>
-              <a:spcBef>
-                <a:spcPts val="0"/>
-              </a:spcBef>
-              <a:spcAft>
-                <a:spcPts val="0"/>
-              </a:spcAft>
-              <a:buClrTx/>
-              <a:buSzTx/>
-              <a:buFontTx/>
-              <a:buNone/>
-              <a:tabLst/>
-              <a:defRPr/>
-            </a:pPr>
-            <a:endParaRPr kumimoji="0" lang="en-US" altLang="ko-KR" sz="2200" b="0" i="0" u="none" strike="noStrike" kern="1200" cap="none" spc="0" normalizeH="0" baseline="0" noProof="0" dirty="0">
-              <a:ln>
-                <a:noFill/>
-              </a:ln>
-              <a:solidFill>
-                <a:prstClr val="black"/>
-              </a:solidFill>
-              <a:effectLst/>
-              <a:uLnTx/>
-              <a:uFillTx/>
-              <a:latin typeface="맑은 고딕"/>
-              <a:ea typeface="맑은 고딕" panose="020B0503020000020004" pitchFamily="50" charset="-127"/>
-              <a:cs typeface="+mn-cs"/>
-            </a:endParaRPr>
-          </a:p>
-          <a:p>
-            <a:pPr marL="0" marR="0" lvl="0" indent="0" algn="l" defTabSz="1107796" rtl="0" eaLnBrk="1" fontAlgn="auto" latinLnBrk="1" hangingPunct="1">
-              <a:lnSpc>
-                <a:spcPct val="100000"/>
-              </a:lnSpc>
-              <a:spcBef>
-                <a:spcPts val="0"/>
-              </a:spcBef>
-              <a:spcAft>
-                <a:spcPts val="0"/>
-              </a:spcAft>
-              <a:buClrTx/>
-              <a:buSzTx/>
-              <a:buFontTx/>
-              <a:buNone/>
-              <a:tabLst/>
-              <a:defRPr/>
-            </a:pPr>
-            <a:endParaRPr kumimoji="0" lang="en-US" altLang="ko-KR" sz="2200" b="0" i="0" u="none" strike="noStrike" kern="1200" cap="none" spc="0" normalizeH="0" baseline="0" noProof="0" dirty="0">
-              <a:ln>
-                <a:noFill/>
-              </a:ln>
-              <a:solidFill>
-                <a:prstClr val="black"/>
-              </a:solidFill>
-              <a:effectLst/>
-              <a:uLnTx/>
-              <a:uFillTx/>
-              <a:latin typeface="맑은 고딕"/>
-              <a:ea typeface="맑은 고딕" panose="020B0503020000020004" pitchFamily="50" charset="-127"/>
-              <a:cs typeface="+mn-cs"/>
-            </a:endParaRPr>
-          </a:p>
-          <a:p>
-            <a:pPr marL="0" marR="0" lvl="0" indent="0" algn="l" defTabSz="1107796" rtl="0" eaLnBrk="1" fontAlgn="auto" latinLnBrk="1" hangingPunct="1">
-              <a:lnSpc>
-                <a:spcPct val="100000"/>
-              </a:lnSpc>
-              <a:spcBef>
-                <a:spcPts val="0"/>
-              </a:spcBef>
-              <a:spcAft>
-                <a:spcPts val="0"/>
-              </a:spcAft>
-              <a:buClrTx/>
-              <a:buSzTx/>
-              <a:buFontTx/>
-              <a:buNone/>
-              <a:tabLst/>
-              <a:defRPr/>
-            </a:pPr>
-            <a:endParaRPr lang="en-US" altLang="ko-KR" dirty="0">
-              <a:solidFill>
-                <a:prstClr val="black"/>
-              </a:solidFill>
-              <a:latin typeface="맑은 고딕"/>
-              <a:ea typeface="맑은 고딕" panose="020B0503020000020004" pitchFamily="50" charset="-127"/>
-            </a:endParaRPr>
-          </a:p>
-          <a:p>
-            <a:pPr marL="0" marR="0" lvl="0" indent="0" algn="l" defTabSz="1107796" rtl="0" eaLnBrk="1" fontAlgn="auto" latinLnBrk="1" hangingPunct="1">
-              <a:lnSpc>
-                <a:spcPct val="100000"/>
-              </a:lnSpc>
-              <a:spcBef>
-                <a:spcPts val="0"/>
-              </a:spcBef>
-              <a:spcAft>
-                <a:spcPts val="0"/>
-              </a:spcAft>
-              <a:buClrTx/>
-              <a:buSzTx/>
-              <a:buFontTx/>
-              <a:buNone/>
-              <a:tabLst/>
-              <a:defRPr/>
-            </a:pPr>
-            <a:endParaRPr kumimoji="0" lang="en-US" altLang="ko-KR" sz="2200" b="0" i="0" u="none" strike="noStrike" kern="1200" cap="none" spc="0" normalizeH="0" baseline="0" noProof="0" dirty="0">
-              <a:ln>
-                <a:noFill/>
-              </a:ln>
-              <a:solidFill>
-                <a:prstClr val="black"/>
-              </a:solidFill>
-              <a:effectLst/>
-              <a:uLnTx/>
-              <a:uFillTx/>
-              <a:latin typeface="맑은 고딕"/>
-              <a:ea typeface="맑은 고딕" panose="020B0503020000020004" pitchFamily="50" charset="-127"/>
-              <a:cs typeface="+mn-cs"/>
-            </a:endParaRPr>
-          </a:p>
-          <a:p>
-            <a:pPr marL="0" marR="0" lvl="0" indent="0" algn="l" defTabSz="1107796" rtl="0" eaLnBrk="1" fontAlgn="auto" latinLnBrk="1" hangingPunct="1">
-              <a:lnSpc>
-                <a:spcPct val="100000"/>
-              </a:lnSpc>
-              <a:spcBef>
-                <a:spcPts val="0"/>
-              </a:spcBef>
-              <a:spcAft>
-                <a:spcPts val="0"/>
-              </a:spcAft>
-              <a:buClrTx/>
-              <a:buSzTx/>
-              <a:buFontTx/>
-              <a:buNone/>
-              <a:tabLst/>
-              <a:defRPr/>
-            </a:pPr>
-            <a:endParaRPr lang="en-US" altLang="ko-KR" dirty="0">
-              <a:solidFill>
-                <a:prstClr val="black"/>
-              </a:solidFill>
-              <a:latin typeface="맑은 고딕"/>
-              <a:ea typeface="맑은 고딕" panose="020B0503020000020004" pitchFamily="50" charset="-127"/>
-            </a:endParaRPr>
-          </a:p>
-          <a:p>
-            <a:pPr marL="0" marR="0" lvl="0" indent="0" algn="l" defTabSz="1107796" rtl="0" eaLnBrk="1" fontAlgn="auto" latinLnBrk="1" hangingPunct="1">
-              <a:lnSpc>
-                <a:spcPct val="100000"/>
-              </a:lnSpc>
-              <a:spcBef>
-                <a:spcPts val="0"/>
-              </a:spcBef>
-              <a:spcAft>
-                <a:spcPts val="0"/>
-              </a:spcAft>
-              <a:buClrTx/>
-              <a:buSzTx/>
-              <a:buFontTx/>
-              <a:buNone/>
-              <a:tabLst/>
-              <a:defRPr/>
-            </a:pPr>
-            <a:endParaRPr kumimoji="0" lang="en-US" altLang="ko-KR" sz="2200" b="0" i="0" u="none" strike="noStrike" kern="1200" cap="none" spc="0" normalizeH="0" baseline="0" noProof="0" dirty="0">
-              <a:ln>
-                <a:noFill/>
-              </a:ln>
-              <a:solidFill>
-                <a:prstClr val="black"/>
-              </a:solidFill>
-              <a:effectLst/>
-              <a:uLnTx/>
-              <a:uFillTx/>
-              <a:latin typeface="맑은 고딕"/>
-              <a:ea typeface="맑은 고딕" panose="020B0503020000020004" pitchFamily="50" charset="-127"/>
-              <a:cs typeface="+mn-cs"/>
-            </a:endParaRPr>
-          </a:p>
-          <a:p>
-            <a:pPr marL="0" marR="0" lvl="0" indent="0" algn="l" defTabSz="1107796" rtl="0" eaLnBrk="1" fontAlgn="auto" latinLnBrk="1" hangingPunct="1">
-              <a:lnSpc>
-                <a:spcPct val="100000"/>
-              </a:lnSpc>
-              <a:spcBef>
-                <a:spcPts val="0"/>
-              </a:spcBef>
-              <a:spcAft>
-                <a:spcPts val="0"/>
-              </a:spcAft>
-              <a:buClrTx/>
-              <a:buSzTx/>
-              <a:buFontTx/>
-              <a:buNone/>
-              <a:tabLst/>
-              <a:defRPr/>
-            </a:pPr>
-            <a:endParaRPr kumimoji="0" lang="en-US" altLang="ko-KR" sz="2200" b="0" i="0" u="none" strike="noStrike" kern="1200" cap="none" spc="0" normalizeH="0" baseline="0" noProof="0" dirty="0">
-              <a:ln>
-                <a:noFill/>
-              </a:ln>
-              <a:solidFill>
-                <a:prstClr val="black"/>
-              </a:solidFill>
-              <a:effectLst/>
-              <a:uLnTx/>
-              <a:uFillTx/>
-              <a:latin typeface="맑은 고딕"/>
-              <a:ea typeface="맑은 고딕" panose="020B0503020000020004" pitchFamily="50" charset="-127"/>
-              <a:cs typeface="+mn-cs"/>
-            </a:endParaRPr>
-          </a:p>
-          <a:p>
-            <a:pPr marL="0" marR="0" lvl="0" indent="0" algn="l" defTabSz="1107796" rtl="0" eaLnBrk="1" fontAlgn="auto" latinLnBrk="1" hangingPunct="1">
-              <a:lnSpc>
-                <a:spcPct val="100000"/>
-              </a:lnSpc>
-              <a:spcBef>
-                <a:spcPts val="0"/>
-              </a:spcBef>
-              <a:spcAft>
-                <a:spcPts val="0"/>
-              </a:spcAft>
-              <a:buClrTx/>
-              <a:buSzTx/>
-              <a:buFontTx/>
-              <a:buNone/>
-              <a:tabLst/>
-              <a:defRPr/>
-            </a:pPr>
-            <a:endParaRPr kumimoji="0" lang="en-US" altLang="ko-KR" sz="2200" b="0" i="0" u="none" strike="noStrike" kern="1200" cap="none" spc="0" normalizeH="0" baseline="0" noProof="0" dirty="0">
-              <a:ln>
-                <a:noFill/>
-              </a:ln>
-              <a:solidFill>
-                <a:prstClr val="black"/>
-              </a:solidFill>
-              <a:effectLst/>
-              <a:uLnTx/>
-              <a:uFillTx/>
-              <a:latin typeface="맑은 고딕"/>
-              <a:ea typeface="맑은 고딕" panose="020B0503020000020004" pitchFamily="50" charset="-127"/>
-              <a:cs typeface="+mn-cs"/>
-            </a:endParaRPr>
-          </a:p>
-          <a:p>
-            <a:pPr marL="0" marR="0" lvl="0" indent="0" algn="l" defTabSz="1107796" rtl="0" eaLnBrk="1" fontAlgn="auto" latinLnBrk="1" hangingPunct="1">
-              <a:lnSpc>
-                <a:spcPct val="100000"/>
-              </a:lnSpc>
-              <a:spcBef>
-                <a:spcPts val="0"/>
-              </a:spcBef>
-              <a:spcAft>
-                <a:spcPts val="0"/>
-              </a:spcAft>
-              <a:buClrTx/>
-              <a:buSzTx/>
-              <a:buFontTx/>
-              <a:buNone/>
-              <a:tabLst/>
-              <a:defRPr/>
-            </a:pPr>
-            <a:endParaRPr kumimoji="0" lang="en-US" altLang="ko-KR" sz="2200" b="0" i="0" u="none" strike="noStrike" kern="1200" cap="none" spc="0" normalizeH="0" baseline="0" noProof="0" dirty="0">
-              <a:ln>
-                <a:noFill/>
-              </a:ln>
-              <a:solidFill>
-                <a:prstClr val="black"/>
-              </a:solidFill>
-              <a:effectLst/>
-              <a:uLnTx/>
-              <a:uFillTx/>
-              <a:latin typeface="맑은 고딕"/>
-              <a:ea typeface="맑은 고딕" panose="020B0503020000020004" pitchFamily="50" charset="-127"/>
-              <a:cs typeface="+mn-cs"/>
-            </a:endParaRPr>
-          </a:p>
-          <a:p>
-            <a:pPr marL="0" marR="0" lvl="0" indent="0" algn="l" defTabSz="1107796" rtl="0" eaLnBrk="1" fontAlgn="auto" latinLnBrk="1" hangingPunct="1">
-              <a:lnSpc>
-                <a:spcPct val="100000"/>
-              </a:lnSpc>
-              <a:spcBef>
-                <a:spcPts val="0"/>
-              </a:spcBef>
-              <a:spcAft>
-                <a:spcPts val="0"/>
-              </a:spcAft>
-              <a:buClrTx/>
-              <a:buSzTx/>
-              <a:buFontTx/>
-              <a:buNone/>
-              <a:tabLst/>
-              <a:defRPr/>
-            </a:pPr>
-            <a:endParaRPr kumimoji="0" lang="ko-KR" altLang="en-US" sz="2200" b="0" i="0" u="none" strike="noStrike" kern="1200" cap="none" spc="0" normalizeH="0" baseline="0" noProof="0" dirty="0">
-              <a:ln>
-                <a:noFill/>
-              </a:ln>
-              <a:solidFill>
-                <a:prstClr val="black"/>
-              </a:solidFill>
-              <a:effectLst/>
-              <a:uLnTx/>
-              <a:uFillTx/>
-              <a:latin typeface="맑은 고딕"/>
-              <a:ea typeface="맑은 고딕" panose="020B0503020000020004" pitchFamily="50" charset="-127"/>
-              <a:cs typeface="+mn-cs"/>
-            </a:endParaRPr>
-          </a:p>
-        </p:txBody>
-      </p:sp>
-    </p:spTree>
-    <p:extLst>
-      <p:ext uri="{BB962C8B-B14F-4D97-AF65-F5344CB8AC3E}">
-        <p14:creationId xmlns:p14="http://schemas.microsoft.com/office/powerpoint/2010/main" val="3071079874"/>
-      </p:ext>
-    </p:extLst>
-  </p:cSld>
-  <p:clrMapOvr>
-    <a:masterClrMapping/>
-  </p:clrMapOvr>
-</p:sld>
-</file>
-
-<file path=ppt/slides/slide20.xml><?xml version="1.0" encoding="utf-8"?>
+<file path=ppt/slides/slide19.xml><?xml version="1.0" encoding="utf-8"?>
 <p:sld xmlns:a="http://schemas.openxmlformats.org/drawingml/2006/main" xmlns:r="http://schemas.openxmlformats.org/officeDocument/2006/relationships" xmlns:p="http://schemas.openxmlformats.org/presentationml/2006/main">
   <p:cSld>
     <p:spTree>
@@ -6397,7 +5479,7 @@
             <a:fld id="{6DDAE2C3-1A0B-474A-8CE8-AE55B8D9D4B1}" type="slidenum">
               <a:rPr lang="ko-KR" altLang="en-US" smtClean="0"/>
               <a:pPr/>
-              <a:t>20</a:t>
+              <a:t>19</a:t>
             </a:fld>
             <a:endParaRPr lang="ko-KR" altLang="en-US" dirty="0"/>
           </a:p>
@@ -6446,7 +5528,780 @@
 </p:sld>
 </file>
 
-<file path=ppt/slides/slide21.xml><?xml version="1.0" encoding="utf-8"?>
+<file path=ppt/slides/slide2.xml><?xml version="1.0" encoding="utf-8"?>
+<p:sld xmlns:a="http://schemas.openxmlformats.org/drawingml/2006/main" xmlns:r="http://schemas.openxmlformats.org/officeDocument/2006/relationships" xmlns:p="http://schemas.openxmlformats.org/presentationml/2006/main">
+  <p:cSld>
+    <p:bg>
+      <p:bgPr>
+        <a:solidFill>
+          <a:schemeClr val="bg1">
+            <a:lumMod val="65000"/>
+          </a:schemeClr>
+        </a:solidFill>
+        <a:effectLst/>
+      </p:bgPr>
+    </p:bg>
+    <p:spTree>
+      <p:nvGrpSpPr>
+        <p:cNvPr id="1" name=""/>
+        <p:cNvGrpSpPr/>
+        <p:nvPr/>
+      </p:nvGrpSpPr>
+      <p:grpSpPr>
+        <a:xfrm>
+          <a:off x="0" y="0"/>
+          <a:ext cx="0" cy="0"/>
+          <a:chOff x="0" y="0"/>
+          <a:chExt cx="0" cy="0"/>
+        </a:xfrm>
+      </p:grpSpPr>
+      <p:sp>
+        <p:nvSpPr>
+          <p:cNvPr id="4" name="슬라이드 번호 개체 틀 3"/>
+          <p:cNvSpPr>
+            <a:spLocks noGrp="1"/>
+          </p:cNvSpPr>
+          <p:nvPr>
+            <p:ph type="sldNum" sz="quarter" idx="12"/>
+          </p:nvPr>
+        </p:nvSpPr>
+        <p:spPr/>
+        <p:txBody>
+          <a:bodyPr/>
+          <a:lstStyle/>
+          <a:p>
+            <a:pPr marL="0" marR="0" lvl="0" indent="0" algn="r" defTabSz="1107796" rtl="0" eaLnBrk="1" fontAlgn="auto" latinLnBrk="1" hangingPunct="1">
+              <a:lnSpc>
+                <a:spcPct val="100000"/>
+              </a:lnSpc>
+              <a:spcBef>
+                <a:spcPts val="0"/>
+              </a:spcBef>
+              <a:spcAft>
+                <a:spcPts val="0"/>
+              </a:spcAft>
+              <a:buClrTx/>
+              <a:buSzTx/>
+              <a:buFontTx/>
+              <a:buNone/>
+              <a:tabLst/>
+              <a:defRPr/>
+            </a:pPr>
+            <a:fld id="{6DDAE2C3-1A0B-474A-8CE8-AE55B8D9D4B1}" type="slidenum">
+              <a:rPr kumimoji="0" lang="ko-KR" altLang="en-US" sz="900" b="0" i="0" u="none" strike="noStrike" kern="1200" cap="none" spc="0" normalizeH="0" baseline="0" noProof="0" smtClean="0">
+                <a:ln>
+                  <a:noFill/>
+                </a:ln>
+                <a:solidFill>
+                  <a:prstClr val="black">
+                    <a:tint val="75000"/>
+                  </a:prstClr>
+                </a:solidFill>
+                <a:effectLst/>
+                <a:uLnTx/>
+                <a:uFillTx/>
+                <a:ea typeface="Noto Sans CJK KR Bold" panose="020B0800000000000000" pitchFamily="34" charset="-127"/>
+                <a:cs typeface="+mn-cs"/>
+              </a:rPr>
+              <a:pPr marL="0" marR="0" lvl="0" indent="0" algn="r" defTabSz="1107796" rtl="0" eaLnBrk="1" fontAlgn="auto" latinLnBrk="1" hangingPunct="1">
+                <a:lnSpc>
+                  <a:spcPct val="100000"/>
+                </a:lnSpc>
+                <a:spcBef>
+                  <a:spcPts val="0"/>
+                </a:spcBef>
+                <a:spcAft>
+                  <a:spcPts val="0"/>
+                </a:spcAft>
+                <a:buClrTx/>
+                <a:buSzTx/>
+                <a:buFontTx/>
+                <a:buNone/>
+                <a:tabLst/>
+                <a:defRPr/>
+              </a:pPr>
+              <a:t>2</a:t>
+            </a:fld>
+            <a:endParaRPr kumimoji="0" lang="ko-KR" altLang="en-US" sz="900" b="0" i="0" u="none" strike="noStrike" kern="1200" cap="none" spc="0" normalizeH="0" baseline="0" noProof="0" dirty="0">
+              <a:ln>
+                <a:noFill/>
+              </a:ln>
+              <a:solidFill>
+                <a:prstClr val="black">
+                  <a:tint val="75000"/>
+                </a:prstClr>
+              </a:solidFill>
+              <a:effectLst/>
+              <a:uLnTx/>
+              <a:uFillTx/>
+              <a:ea typeface="Noto Sans CJK KR Bold" panose="020B0800000000000000" pitchFamily="34" charset="-127"/>
+              <a:cs typeface="+mn-cs"/>
+            </a:endParaRPr>
+          </a:p>
+        </p:txBody>
+      </p:sp>
+      <p:sp>
+        <p:nvSpPr>
+          <p:cNvPr id="11" name="TextBox 10"/>
+          <p:cNvSpPr txBox="1"/>
+          <p:nvPr/>
+        </p:nvSpPr>
+        <p:spPr>
+          <a:xfrm>
+            <a:off x="542135" y="855851"/>
+            <a:ext cx="11298630" cy="2708434"/>
+          </a:xfrm>
+          <a:prstGeom prst="rect">
+            <a:avLst/>
+          </a:prstGeom>
+          <a:noFill/>
+        </p:spPr>
+        <p:txBody>
+          <a:bodyPr wrap="square" lIns="0" tIns="0" rIns="0" bIns="0" rtlCol="0" anchor="t">
+            <a:spAutoFit/>
+          </a:bodyPr>
+          <a:lstStyle/>
+          <a:p>
+            <a:pPr marL="0" marR="0" lvl="0" indent="0" algn="l" defTabSz="1107796" rtl="0" eaLnBrk="1" fontAlgn="auto" latinLnBrk="1" hangingPunct="1">
+              <a:lnSpc>
+                <a:spcPct val="100000"/>
+              </a:lnSpc>
+              <a:spcBef>
+                <a:spcPts val="0"/>
+              </a:spcBef>
+              <a:spcAft>
+                <a:spcPts val="0"/>
+              </a:spcAft>
+              <a:buClrTx/>
+              <a:buSzTx/>
+              <a:buFontTx/>
+              <a:buNone/>
+              <a:tabLst/>
+              <a:defRPr/>
+            </a:pPr>
+            <a:r>
+              <a:rPr kumimoji="0" lang="en-US" altLang="ko-KR" sz="4400" b="0" i="0" u="none" strike="noStrike" kern="1200" cap="none" spc="0" normalizeH="0" baseline="0" noProof="0" dirty="0">
+                <a:ln>
+                  <a:noFill/>
+                </a:ln>
+                <a:solidFill>
+                  <a:prstClr val="white"/>
+                </a:solidFill>
+                <a:effectLst/>
+                <a:uLnTx/>
+                <a:uFillTx/>
+                <a:latin typeface="Noto Sans CJK KR Black" panose="020B0A00000000000000" pitchFamily="34" charset="-127"/>
+                <a:ea typeface="Noto Sans CJK KR Black" panose="020B0A00000000000000" pitchFamily="34" charset="-127"/>
+                <a:cs typeface="+mn-cs"/>
+              </a:rPr>
+              <a:t>3</a:t>
+            </a:r>
+            <a:r>
+              <a:rPr kumimoji="0" lang="ko-KR" altLang="en-US" sz="4400" b="0" i="0" u="none" strike="noStrike" kern="1200" cap="none" spc="0" normalizeH="0" baseline="0" noProof="0" dirty="0">
+                <a:ln>
+                  <a:noFill/>
+                </a:ln>
+                <a:solidFill>
+                  <a:prstClr val="white"/>
+                </a:solidFill>
+                <a:effectLst/>
+                <a:uLnTx/>
+                <a:uFillTx/>
+                <a:latin typeface="Noto Sans CJK KR Black" panose="020B0A00000000000000" pitchFamily="34" charset="-127"/>
+                <a:ea typeface="Noto Sans CJK KR Black" panose="020B0A00000000000000" pitchFamily="34" charset="-127"/>
+                <a:cs typeface="+mn-cs"/>
+              </a:rPr>
+              <a:t>주차 </a:t>
+            </a:r>
+            <a:endParaRPr kumimoji="0" lang="en-US" altLang="ko-KR" sz="4400" b="0" i="0" u="none" strike="noStrike" kern="1200" cap="none" spc="0" normalizeH="0" baseline="0" noProof="0" dirty="0">
+              <a:ln>
+                <a:noFill/>
+              </a:ln>
+              <a:solidFill>
+                <a:prstClr val="white"/>
+              </a:solidFill>
+              <a:effectLst/>
+              <a:uLnTx/>
+              <a:uFillTx/>
+              <a:latin typeface="Noto Sans CJK KR Black" panose="020B0A00000000000000" pitchFamily="34" charset="-127"/>
+              <a:ea typeface="Noto Sans CJK KR Black" panose="020B0A00000000000000" pitchFamily="34" charset="-127"/>
+              <a:cs typeface="+mn-cs"/>
+            </a:endParaRPr>
+          </a:p>
+          <a:p>
+            <a:pPr marL="0" marR="0" lvl="0" indent="0" algn="l" defTabSz="1107796" rtl="0" eaLnBrk="1" fontAlgn="auto" latinLnBrk="1" hangingPunct="1">
+              <a:lnSpc>
+                <a:spcPct val="100000"/>
+              </a:lnSpc>
+              <a:spcBef>
+                <a:spcPts val="0"/>
+              </a:spcBef>
+              <a:spcAft>
+                <a:spcPts val="0"/>
+              </a:spcAft>
+              <a:buClrTx/>
+              <a:buSzTx/>
+              <a:buFontTx/>
+              <a:buNone/>
+              <a:tabLst/>
+              <a:defRPr/>
+            </a:pPr>
+            <a:r>
+              <a:rPr kumimoji="0" lang="ko-KR" altLang="en-US" sz="4400" b="0" i="0" u="none" strike="noStrike" kern="1200" cap="none" spc="0" normalizeH="0" baseline="0" noProof="0" dirty="0">
+                <a:ln>
+                  <a:noFill/>
+                </a:ln>
+                <a:solidFill>
+                  <a:prstClr val="white"/>
+                </a:solidFill>
+                <a:effectLst/>
+                <a:uLnTx/>
+                <a:uFillTx/>
+                <a:latin typeface="Noto Sans CJK KR Black" panose="020B0A00000000000000" pitchFamily="34" charset="-127"/>
+                <a:ea typeface="Noto Sans CJK KR Black" panose="020B0A00000000000000" pitchFamily="34" charset="-127"/>
+                <a:cs typeface="+mn-cs"/>
+              </a:rPr>
+              <a:t>강의의 목적</a:t>
+            </a:r>
+            <a:endParaRPr kumimoji="0" lang="en-US" altLang="ko-KR" sz="4400" b="0" i="0" u="none" strike="noStrike" kern="1200" cap="none" spc="0" normalizeH="0" baseline="0" noProof="0" dirty="0">
+              <a:ln>
+                <a:noFill/>
+              </a:ln>
+              <a:solidFill>
+                <a:prstClr val="white"/>
+              </a:solidFill>
+              <a:effectLst/>
+              <a:uLnTx/>
+              <a:uFillTx/>
+              <a:latin typeface="Noto Sans CJK KR Black" panose="020B0A00000000000000" pitchFamily="34" charset="-127"/>
+              <a:ea typeface="Noto Sans CJK KR Black" panose="020B0A00000000000000" pitchFamily="34" charset="-127"/>
+              <a:cs typeface="+mn-cs"/>
+            </a:endParaRPr>
+          </a:p>
+          <a:p>
+            <a:pPr marL="0" marR="0" lvl="0" indent="0" algn="l" defTabSz="1107796" rtl="0" eaLnBrk="1" fontAlgn="auto" latinLnBrk="1" hangingPunct="1">
+              <a:lnSpc>
+                <a:spcPct val="100000"/>
+              </a:lnSpc>
+              <a:spcBef>
+                <a:spcPts val="0"/>
+              </a:spcBef>
+              <a:spcAft>
+                <a:spcPts val="0"/>
+              </a:spcAft>
+              <a:buClrTx/>
+              <a:buSzTx/>
+              <a:buFontTx/>
+              <a:buNone/>
+              <a:tabLst/>
+              <a:defRPr/>
+            </a:pPr>
+            <a:endParaRPr kumimoji="0" lang="en-US" altLang="ko-KR" sz="4400" b="0" i="0" u="none" strike="noStrike" kern="1200" cap="none" spc="0" normalizeH="0" baseline="0" noProof="0" dirty="0">
+              <a:ln>
+                <a:noFill/>
+              </a:ln>
+              <a:solidFill>
+                <a:prstClr val="white"/>
+              </a:solidFill>
+              <a:effectLst/>
+              <a:uLnTx/>
+              <a:uFillTx/>
+              <a:latin typeface="Noto Sans CJK KR Black" panose="020B0A00000000000000" pitchFamily="34" charset="-127"/>
+              <a:ea typeface="Noto Sans CJK KR Black" panose="020B0A00000000000000" pitchFamily="34" charset="-127"/>
+              <a:cs typeface="+mn-cs"/>
+            </a:endParaRPr>
+          </a:p>
+          <a:p>
+            <a:pPr marL="0" marR="0" lvl="0" indent="0" algn="l" defTabSz="1107796" rtl="0" eaLnBrk="1" fontAlgn="auto" latinLnBrk="1" hangingPunct="1">
+              <a:lnSpc>
+                <a:spcPct val="100000"/>
+              </a:lnSpc>
+              <a:spcBef>
+                <a:spcPts val="0"/>
+              </a:spcBef>
+              <a:spcAft>
+                <a:spcPts val="0"/>
+              </a:spcAft>
+              <a:buClrTx/>
+              <a:buSzTx/>
+              <a:buFontTx/>
+              <a:buNone/>
+              <a:tabLst/>
+              <a:defRPr/>
+            </a:pPr>
+            <a:endParaRPr kumimoji="0" lang="en-US" altLang="ko-KR" sz="4400" b="0" i="0" u="none" strike="noStrike" kern="1200" cap="none" spc="0" normalizeH="0" baseline="0" noProof="0" dirty="0">
+              <a:ln>
+                <a:noFill/>
+              </a:ln>
+              <a:solidFill>
+                <a:prstClr val="white"/>
+              </a:solidFill>
+              <a:effectLst/>
+              <a:uLnTx/>
+              <a:uFillTx/>
+              <a:latin typeface="Noto Sans CJK KR Black" panose="020B0A00000000000000" pitchFamily="34" charset="-127"/>
+              <a:ea typeface="Noto Sans CJK KR Black" panose="020B0A00000000000000" pitchFamily="34" charset="-127"/>
+              <a:cs typeface="+mn-cs"/>
+            </a:endParaRPr>
+          </a:p>
+        </p:txBody>
+      </p:sp>
+      <p:sp>
+        <p:nvSpPr>
+          <p:cNvPr id="12" name="TextBox 11"/>
+          <p:cNvSpPr txBox="1"/>
+          <p:nvPr/>
+        </p:nvSpPr>
+        <p:spPr>
+          <a:xfrm>
+            <a:off x="4783981" y="611957"/>
+            <a:ext cx="7056784" cy="216726"/>
+          </a:xfrm>
+          <a:prstGeom prst="rect">
+            <a:avLst/>
+          </a:prstGeom>
+          <a:noFill/>
+        </p:spPr>
+        <p:txBody>
+          <a:bodyPr wrap="square" lIns="0" tIns="0" rIns="0" bIns="0" rtlCol="0" anchor="t">
+            <a:spAutoFit/>
+          </a:bodyPr>
+          <a:lstStyle/>
+          <a:p>
+            <a:pPr marL="0" marR="0" lvl="0" indent="0" algn="l" defTabSz="1107796" rtl="0" eaLnBrk="1" fontAlgn="auto" latinLnBrk="1" hangingPunct="1">
+              <a:lnSpc>
+                <a:spcPct val="150000"/>
+              </a:lnSpc>
+              <a:spcBef>
+                <a:spcPts val="0"/>
+              </a:spcBef>
+              <a:spcAft>
+                <a:spcPts val="0"/>
+              </a:spcAft>
+              <a:buClrTx/>
+              <a:buSzTx/>
+              <a:buFontTx/>
+              <a:buNone/>
+              <a:tabLst/>
+              <a:defRPr/>
+            </a:pPr>
+            <a:endParaRPr kumimoji="0" lang="en-US" altLang="ko-KR" sz="1050" b="0" i="0" u="none" strike="noStrike" kern="1200" cap="none" spc="0" normalizeH="0" baseline="0" noProof="0" dirty="0">
+              <a:ln>
+                <a:noFill/>
+              </a:ln>
+              <a:solidFill>
+                <a:prstClr val="white"/>
+              </a:solidFill>
+              <a:effectLst/>
+              <a:uLnTx/>
+              <a:uFillTx/>
+              <a:latin typeface="Noto Sans CJK KR Medium" panose="020B0600000000000000" pitchFamily="34" charset="-127"/>
+              <a:ea typeface="Noto Sans CJK KR Medium" panose="020B0600000000000000" pitchFamily="34" charset="-127"/>
+              <a:cs typeface="+mn-cs"/>
+            </a:endParaRPr>
+          </a:p>
+        </p:txBody>
+      </p:sp>
+      <p:pic>
+        <p:nvPicPr>
+          <p:cNvPr id="6" name="그림 5">
+            <a:extLst>
+              <a:ext uri="{FF2B5EF4-FFF2-40B4-BE49-F238E27FC236}">
+                <a16:creationId xmlns:a16="http://schemas.microsoft.com/office/drawing/2014/main" id="{DB5EDEC6-8B0A-462F-8B63-AB96D03FE054}"/>
+              </a:ext>
+            </a:extLst>
+          </p:cNvPr>
+          <p:cNvPicPr>
+            <a:picLocks noChangeAspect="1"/>
+          </p:cNvPicPr>
+          <p:nvPr/>
+        </p:nvPicPr>
+        <p:blipFill>
+          <a:blip r:embed="rId3">
+            <a:extLst>
+              <a:ext uri="{28A0092B-C50C-407E-A947-70E740481C1C}">
+                <a14:useLocalDpi xmlns:a14="http://schemas.microsoft.com/office/drawing/2010/main" val="0"/>
+              </a:ext>
+            </a:extLst>
+          </a:blip>
+          <a:stretch>
+            <a:fillRect/>
+          </a:stretch>
+        </p:blipFill>
+        <p:spPr>
+          <a:xfrm>
+            <a:off x="4604447" y="36115"/>
+            <a:ext cx="7555803" cy="6840538"/>
+          </a:xfrm>
+          <a:prstGeom prst="rect">
+            <a:avLst/>
+          </a:prstGeom>
+        </p:spPr>
+      </p:pic>
+      <p:sp>
+        <p:nvSpPr>
+          <p:cNvPr id="2" name="TextBox 1">
+            <a:extLst>
+              <a:ext uri="{FF2B5EF4-FFF2-40B4-BE49-F238E27FC236}">
+                <a16:creationId xmlns:a16="http://schemas.microsoft.com/office/drawing/2014/main" id="{8060EEAE-53E1-49A6-9042-250FCF40B0FE}"/>
+              </a:ext>
+            </a:extLst>
+          </p:cNvPr>
+          <p:cNvSpPr txBox="1"/>
+          <p:nvPr/>
+        </p:nvSpPr>
+        <p:spPr>
+          <a:xfrm>
+            <a:off x="8312373" y="3348261"/>
+            <a:ext cx="3685698" cy="3477875"/>
+          </a:xfrm>
+          <a:prstGeom prst="rect">
+            <a:avLst/>
+          </a:prstGeom>
+          <a:noFill/>
+          <a:ln w="38100">
+            <a:solidFill>
+              <a:srgbClr val="FF0000"/>
+            </a:solidFill>
+          </a:ln>
+        </p:spPr>
+        <p:txBody>
+          <a:bodyPr wrap="square" rtlCol="0">
+            <a:spAutoFit/>
+          </a:bodyPr>
+          <a:lstStyle/>
+          <a:p>
+            <a:pPr marL="0" marR="0" lvl="0" indent="0" algn="l" defTabSz="1107796" rtl="0" eaLnBrk="1" fontAlgn="auto" latinLnBrk="1" hangingPunct="1">
+              <a:lnSpc>
+                <a:spcPct val="100000"/>
+              </a:lnSpc>
+              <a:spcBef>
+                <a:spcPts val="0"/>
+              </a:spcBef>
+              <a:spcAft>
+                <a:spcPts val="0"/>
+              </a:spcAft>
+              <a:buClrTx/>
+              <a:buSzTx/>
+              <a:buFontTx/>
+              <a:buNone/>
+              <a:tabLst/>
+              <a:defRPr/>
+            </a:pPr>
+            <a:endParaRPr kumimoji="0" lang="en-US" altLang="ko-KR" sz="2200" b="0" i="0" u="none" strike="noStrike" kern="1200" cap="none" spc="0" normalizeH="0" baseline="0" noProof="0" dirty="0">
+              <a:ln>
+                <a:noFill/>
+              </a:ln>
+              <a:solidFill>
+                <a:prstClr val="black"/>
+              </a:solidFill>
+              <a:effectLst/>
+              <a:uLnTx/>
+              <a:uFillTx/>
+              <a:latin typeface="맑은 고딕"/>
+              <a:ea typeface="맑은 고딕" panose="020B0503020000020004" pitchFamily="50" charset="-127"/>
+              <a:cs typeface="+mn-cs"/>
+            </a:endParaRPr>
+          </a:p>
+          <a:p>
+            <a:pPr marL="0" marR="0" lvl="0" indent="0" algn="l" defTabSz="1107796" rtl="0" eaLnBrk="1" fontAlgn="auto" latinLnBrk="1" hangingPunct="1">
+              <a:lnSpc>
+                <a:spcPct val="100000"/>
+              </a:lnSpc>
+              <a:spcBef>
+                <a:spcPts val="0"/>
+              </a:spcBef>
+              <a:spcAft>
+                <a:spcPts val="0"/>
+              </a:spcAft>
+              <a:buClrTx/>
+              <a:buSzTx/>
+              <a:buFontTx/>
+              <a:buNone/>
+              <a:tabLst/>
+              <a:defRPr/>
+            </a:pPr>
+            <a:endParaRPr kumimoji="0" lang="en-US" altLang="ko-KR" sz="2200" b="0" i="0" u="none" strike="noStrike" kern="1200" cap="none" spc="0" normalizeH="0" baseline="0" noProof="0" dirty="0">
+              <a:ln>
+                <a:noFill/>
+              </a:ln>
+              <a:solidFill>
+                <a:prstClr val="black"/>
+              </a:solidFill>
+              <a:effectLst/>
+              <a:uLnTx/>
+              <a:uFillTx/>
+              <a:latin typeface="맑은 고딕"/>
+              <a:ea typeface="맑은 고딕" panose="020B0503020000020004" pitchFamily="50" charset="-127"/>
+              <a:cs typeface="+mn-cs"/>
+            </a:endParaRPr>
+          </a:p>
+          <a:p>
+            <a:pPr marL="0" marR="0" lvl="0" indent="0" algn="l" defTabSz="1107796" rtl="0" eaLnBrk="1" fontAlgn="auto" latinLnBrk="1" hangingPunct="1">
+              <a:lnSpc>
+                <a:spcPct val="100000"/>
+              </a:lnSpc>
+              <a:spcBef>
+                <a:spcPts val="0"/>
+              </a:spcBef>
+              <a:spcAft>
+                <a:spcPts val="0"/>
+              </a:spcAft>
+              <a:buClrTx/>
+              <a:buSzTx/>
+              <a:buFontTx/>
+              <a:buNone/>
+              <a:tabLst/>
+              <a:defRPr/>
+            </a:pPr>
+            <a:endParaRPr lang="en-US" altLang="ko-KR" dirty="0">
+              <a:solidFill>
+                <a:prstClr val="black"/>
+              </a:solidFill>
+              <a:latin typeface="맑은 고딕"/>
+              <a:ea typeface="맑은 고딕" panose="020B0503020000020004" pitchFamily="50" charset="-127"/>
+            </a:endParaRPr>
+          </a:p>
+          <a:p>
+            <a:pPr marL="0" marR="0" lvl="0" indent="0" algn="l" defTabSz="1107796" rtl="0" eaLnBrk="1" fontAlgn="auto" latinLnBrk="1" hangingPunct="1">
+              <a:lnSpc>
+                <a:spcPct val="100000"/>
+              </a:lnSpc>
+              <a:spcBef>
+                <a:spcPts val="0"/>
+              </a:spcBef>
+              <a:spcAft>
+                <a:spcPts val="0"/>
+              </a:spcAft>
+              <a:buClrTx/>
+              <a:buSzTx/>
+              <a:buFontTx/>
+              <a:buNone/>
+              <a:tabLst/>
+              <a:defRPr/>
+            </a:pPr>
+            <a:endParaRPr kumimoji="0" lang="en-US" altLang="ko-KR" sz="2200" b="0" i="0" u="none" strike="noStrike" kern="1200" cap="none" spc="0" normalizeH="0" baseline="0" noProof="0" dirty="0">
+              <a:ln>
+                <a:noFill/>
+              </a:ln>
+              <a:solidFill>
+                <a:prstClr val="black"/>
+              </a:solidFill>
+              <a:effectLst/>
+              <a:uLnTx/>
+              <a:uFillTx/>
+              <a:latin typeface="맑은 고딕"/>
+              <a:ea typeface="맑은 고딕" panose="020B0503020000020004" pitchFamily="50" charset="-127"/>
+              <a:cs typeface="+mn-cs"/>
+            </a:endParaRPr>
+          </a:p>
+          <a:p>
+            <a:pPr marL="0" marR="0" lvl="0" indent="0" algn="l" defTabSz="1107796" rtl="0" eaLnBrk="1" fontAlgn="auto" latinLnBrk="1" hangingPunct="1">
+              <a:lnSpc>
+                <a:spcPct val="100000"/>
+              </a:lnSpc>
+              <a:spcBef>
+                <a:spcPts val="0"/>
+              </a:spcBef>
+              <a:spcAft>
+                <a:spcPts val="0"/>
+              </a:spcAft>
+              <a:buClrTx/>
+              <a:buSzTx/>
+              <a:buFontTx/>
+              <a:buNone/>
+              <a:tabLst/>
+              <a:defRPr/>
+            </a:pPr>
+            <a:endParaRPr lang="en-US" altLang="ko-KR" dirty="0">
+              <a:solidFill>
+                <a:prstClr val="black"/>
+              </a:solidFill>
+              <a:latin typeface="맑은 고딕"/>
+              <a:ea typeface="맑은 고딕" panose="020B0503020000020004" pitchFamily="50" charset="-127"/>
+            </a:endParaRPr>
+          </a:p>
+          <a:p>
+            <a:pPr marL="0" marR="0" lvl="0" indent="0" algn="l" defTabSz="1107796" rtl="0" eaLnBrk="1" fontAlgn="auto" latinLnBrk="1" hangingPunct="1">
+              <a:lnSpc>
+                <a:spcPct val="100000"/>
+              </a:lnSpc>
+              <a:spcBef>
+                <a:spcPts val="0"/>
+              </a:spcBef>
+              <a:spcAft>
+                <a:spcPts val="0"/>
+              </a:spcAft>
+              <a:buClrTx/>
+              <a:buSzTx/>
+              <a:buFontTx/>
+              <a:buNone/>
+              <a:tabLst/>
+              <a:defRPr/>
+            </a:pPr>
+            <a:endParaRPr kumimoji="0" lang="en-US" altLang="ko-KR" sz="2200" b="0" i="0" u="none" strike="noStrike" kern="1200" cap="none" spc="0" normalizeH="0" baseline="0" noProof="0" dirty="0">
+              <a:ln>
+                <a:noFill/>
+              </a:ln>
+              <a:solidFill>
+                <a:prstClr val="black"/>
+              </a:solidFill>
+              <a:effectLst/>
+              <a:uLnTx/>
+              <a:uFillTx/>
+              <a:latin typeface="맑은 고딕"/>
+              <a:ea typeface="맑은 고딕" panose="020B0503020000020004" pitchFamily="50" charset="-127"/>
+              <a:cs typeface="+mn-cs"/>
+            </a:endParaRPr>
+          </a:p>
+          <a:p>
+            <a:pPr marL="0" marR="0" lvl="0" indent="0" algn="l" defTabSz="1107796" rtl="0" eaLnBrk="1" fontAlgn="auto" latinLnBrk="1" hangingPunct="1">
+              <a:lnSpc>
+                <a:spcPct val="100000"/>
+              </a:lnSpc>
+              <a:spcBef>
+                <a:spcPts val="0"/>
+              </a:spcBef>
+              <a:spcAft>
+                <a:spcPts val="0"/>
+              </a:spcAft>
+              <a:buClrTx/>
+              <a:buSzTx/>
+              <a:buFontTx/>
+              <a:buNone/>
+              <a:tabLst/>
+              <a:defRPr/>
+            </a:pPr>
+            <a:endParaRPr kumimoji="0" lang="en-US" altLang="ko-KR" sz="2200" b="0" i="0" u="none" strike="noStrike" kern="1200" cap="none" spc="0" normalizeH="0" baseline="0" noProof="0" dirty="0">
+              <a:ln>
+                <a:noFill/>
+              </a:ln>
+              <a:solidFill>
+                <a:prstClr val="black"/>
+              </a:solidFill>
+              <a:effectLst/>
+              <a:uLnTx/>
+              <a:uFillTx/>
+              <a:latin typeface="맑은 고딕"/>
+              <a:ea typeface="맑은 고딕" panose="020B0503020000020004" pitchFamily="50" charset="-127"/>
+              <a:cs typeface="+mn-cs"/>
+            </a:endParaRPr>
+          </a:p>
+          <a:p>
+            <a:pPr marL="0" marR="0" lvl="0" indent="0" algn="l" defTabSz="1107796" rtl="0" eaLnBrk="1" fontAlgn="auto" latinLnBrk="1" hangingPunct="1">
+              <a:lnSpc>
+                <a:spcPct val="100000"/>
+              </a:lnSpc>
+              <a:spcBef>
+                <a:spcPts val="0"/>
+              </a:spcBef>
+              <a:spcAft>
+                <a:spcPts val="0"/>
+              </a:spcAft>
+              <a:buClrTx/>
+              <a:buSzTx/>
+              <a:buFontTx/>
+              <a:buNone/>
+              <a:tabLst/>
+              <a:defRPr/>
+            </a:pPr>
+            <a:endParaRPr kumimoji="0" lang="en-US" altLang="ko-KR" sz="2200" b="0" i="0" u="none" strike="noStrike" kern="1200" cap="none" spc="0" normalizeH="0" baseline="0" noProof="0" dirty="0">
+              <a:ln>
+                <a:noFill/>
+              </a:ln>
+              <a:solidFill>
+                <a:prstClr val="black"/>
+              </a:solidFill>
+              <a:effectLst/>
+              <a:uLnTx/>
+              <a:uFillTx/>
+              <a:latin typeface="맑은 고딕"/>
+              <a:ea typeface="맑은 고딕" panose="020B0503020000020004" pitchFamily="50" charset="-127"/>
+              <a:cs typeface="+mn-cs"/>
+            </a:endParaRPr>
+          </a:p>
+          <a:p>
+            <a:pPr marL="0" marR="0" lvl="0" indent="0" algn="l" defTabSz="1107796" rtl="0" eaLnBrk="1" fontAlgn="auto" latinLnBrk="1" hangingPunct="1">
+              <a:lnSpc>
+                <a:spcPct val="100000"/>
+              </a:lnSpc>
+              <a:spcBef>
+                <a:spcPts val="0"/>
+              </a:spcBef>
+              <a:spcAft>
+                <a:spcPts val="0"/>
+              </a:spcAft>
+              <a:buClrTx/>
+              <a:buSzTx/>
+              <a:buFontTx/>
+              <a:buNone/>
+              <a:tabLst/>
+              <a:defRPr/>
+            </a:pPr>
+            <a:endParaRPr kumimoji="0" lang="en-US" altLang="ko-KR" sz="2200" b="0" i="0" u="none" strike="noStrike" kern="1200" cap="none" spc="0" normalizeH="0" baseline="0" noProof="0" dirty="0">
+              <a:ln>
+                <a:noFill/>
+              </a:ln>
+              <a:solidFill>
+                <a:prstClr val="black"/>
+              </a:solidFill>
+              <a:effectLst/>
+              <a:uLnTx/>
+              <a:uFillTx/>
+              <a:latin typeface="맑은 고딕"/>
+              <a:ea typeface="맑은 고딕" panose="020B0503020000020004" pitchFamily="50" charset="-127"/>
+              <a:cs typeface="+mn-cs"/>
+            </a:endParaRPr>
+          </a:p>
+          <a:p>
+            <a:pPr marL="0" marR="0" lvl="0" indent="0" algn="l" defTabSz="1107796" rtl="0" eaLnBrk="1" fontAlgn="auto" latinLnBrk="1" hangingPunct="1">
+              <a:lnSpc>
+                <a:spcPct val="100000"/>
+              </a:lnSpc>
+              <a:spcBef>
+                <a:spcPts val="0"/>
+              </a:spcBef>
+              <a:spcAft>
+                <a:spcPts val="0"/>
+              </a:spcAft>
+              <a:buClrTx/>
+              <a:buSzTx/>
+              <a:buFontTx/>
+              <a:buNone/>
+              <a:tabLst/>
+              <a:defRPr/>
+            </a:pPr>
+            <a:endParaRPr kumimoji="0" lang="ko-KR" altLang="en-US" sz="2200" b="0" i="0" u="none" strike="noStrike" kern="1200" cap="none" spc="0" normalizeH="0" baseline="0" noProof="0" dirty="0">
+              <a:ln>
+                <a:noFill/>
+              </a:ln>
+              <a:solidFill>
+                <a:prstClr val="black"/>
+              </a:solidFill>
+              <a:effectLst/>
+              <a:uLnTx/>
+              <a:uFillTx/>
+              <a:latin typeface="맑은 고딕"/>
+              <a:ea typeface="맑은 고딕" panose="020B0503020000020004" pitchFamily="50" charset="-127"/>
+              <a:cs typeface="+mn-cs"/>
+            </a:endParaRPr>
+          </a:p>
+        </p:txBody>
+      </p:sp>
+    </p:spTree>
+    <p:extLst>
+      <p:ext uri="{BB962C8B-B14F-4D97-AF65-F5344CB8AC3E}">
+        <p14:creationId xmlns:p14="http://schemas.microsoft.com/office/powerpoint/2010/main" val="3071079874"/>
+      </p:ext>
+    </p:extLst>
+  </p:cSld>
+  <p:clrMapOvr>
+    <a:masterClrMapping/>
+  </p:clrMapOvr>
+</p:sld>
+</file>
+
+<file path=ppt/slides/slide20.xml><?xml version="1.0" encoding="utf-8"?>
 <p:sld xmlns:a="http://schemas.openxmlformats.org/drawingml/2006/main" xmlns:r="http://schemas.openxmlformats.org/officeDocument/2006/relationships" xmlns:p="http://schemas.openxmlformats.org/presentationml/2006/main">
   <p:cSld>
     <p:spTree>
@@ -6541,7 +6396,7 @@
             <a:fld id="{6DDAE2C3-1A0B-474A-8CE8-AE55B8D9D4B1}" type="slidenum">
               <a:rPr lang="ko-KR" altLang="en-US" smtClean="0"/>
               <a:pPr/>
-              <a:t>21</a:t>
+              <a:t>20</a:t>
             </a:fld>
             <a:endParaRPr lang="ko-KR" altLang="en-US" dirty="0"/>
           </a:p>
@@ -6590,7 +6445,7 @@
 </p:sld>
 </file>
 
-<file path=ppt/slides/slide22.xml><?xml version="1.0" encoding="utf-8"?>
+<file path=ppt/slides/slide21.xml><?xml version="1.0" encoding="utf-8"?>
 <p:sld xmlns:a="http://schemas.openxmlformats.org/drawingml/2006/main" xmlns:r="http://schemas.openxmlformats.org/officeDocument/2006/relationships" xmlns:p="http://schemas.openxmlformats.org/presentationml/2006/main">
   <p:cSld>
     <p:spTree>
@@ -6685,7 +6540,7 @@
             <a:fld id="{6DDAE2C3-1A0B-474A-8CE8-AE55B8D9D4B1}" type="slidenum">
               <a:rPr lang="ko-KR" altLang="en-US" smtClean="0"/>
               <a:pPr/>
-              <a:t>22</a:t>
+              <a:t>21</a:t>
             </a:fld>
             <a:endParaRPr lang="ko-KR" altLang="en-US" dirty="0"/>
           </a:p>
@@ -6734,7 +6589,7 @@
 </p:sld>
 </file>
 
-<file path=ppt/slides/slide23.xml><?xml version="1.0" encoding="utf-8"?>
+<file path=ppt/slides/slide22.xml><?xml version="1.0" encoding="utf-8"?>
 <p:sld xmlns:a="http://schemas.openxmlformats.org/drawingml/2006/main" xmlns:r="http://schemas.openxmlformats.org/officeDocument/2006/relationships" xmlns:p="http://schemas.openxmlformats.org/presentationml/2006/main">
   <p:cSld>
     <p:spTree>
@@ -6829,7 +6684,7 @@
             <a:fld id="{6DDAE2C3-1A0B-474A-8CE8-AE55B8D9D4B1}" type="slidenum">
               <a:rPr lang="ko-KR" altLang="en-US" smtClean="0"/>
               <a:pPr/>
-              <a:t>23</a:t>
+              <a:t>22</a:t>
             </a:fld>
             <a:endParaRPr lang="ko-KR" altLang="en-US" dirty="0"/>
           </a:p>
@@ -6878,7 +6733,7 @@
 </p:sld>
 </file>
 
-<file path=ppt/slides/slide24.xml><?xml version="1.0" encoding="utf-8"?>
+<file path=ppt/slides/slide23.xml><?xml version="1.0" encoding="utf-8"?>
 <p:sld xmlns:a="http://schemas.openxmlformats.org/drawingml/2006/main" xmlns:r="http://schemas.openxmlformats.org/officeDocument/2006/relationships" xmlns:p="http://schemas.openxmlformats.org/presentationml/2006/main">
   <p:cSld>
     <p:spTree>
@@ -6998,7 +6853,7 @@
             <a:fld id="{6DDAE2C3-1A0B-474A-8CE8-AE55B8D9D4B1}" type="slidenum">
               <a:rPr lang="ko-KR" altLang="en-US" smtClean="0"/>
               <a:pPr/>
-              <a:t>24</a:t>
+              <a:t>23</a:t>
             </a:fld>
             <a:endParaRPr lang="ko-KR" altLang="en-US" dirty="0"/>
           </a:p>
@@ -7047,7 +6902,7 @@
 </p:sld>
 </file>
 
-<file path=ppt/slides/slide25.xml><?xml version="1.0" encoding="utf-8"?>
+<file path=ppt/slides/slide24.xml><?xml version="1.0" encoding="utf-8"?>
 <p:sld xmlns:a="http://schemas.openxmlformats.org/drawingml/2006/main" xmlns:r="http://schemas.openxmlformats.org/officeDocument/2006/relationships" xmlns:p="http://schemas.openxmlformats.org/presentationml/2006/main">
   <p:cSld>
     <p:spTree>
@@ -7142,7 +6997,7 @@
             <a:fld id="{6DDAE2C3-1A0B-474A-8CE8-AE55B8D9D4B1}" type="slidenum">
               <a:rPr lang="ko-KR" altLang="en-US" smtClean="0"/>
               <a:pPr/>
-              <a:t>25</a:t>
+              <a:t>24</a:t>
             </a:fld>
             <a:endParaRPr lang="ko-KR" altLang="en-US" dirty="0"/>
           </a:p>
@@ -7191,7 +7046,7 @@
 </p:sld>
 </file>
 
-<file path=ppt/slides/slide26.xml><?xml version="1.0" encoding="utf-8"?>
+<file path=ppt/slides/slide25.xml><?xml version="1.0" encoding="utf-8"?>
 <p:sld xmlns:a="http://schemas.openxmlformats.org/drawingml/2006/main" xmlns:r="http://schemas.openxmlformats.org/officeDocument/2006/relationships" xmlns:p="http://schemas.openxmlformats.org/presentationml/2006/main">
   <p:cSld>
     <p:spTree>
@@ -7286,7 +7141,7 @@
             <a:fld id="{6DDAE2C3-1A0B-474A-8CE8-AE55B8D9D4B1}" type="slidenum">
               <a:rPr lang="ko-KR" altLang="en-US" smtClean="0"/>
               <a:pPr/>
-              <a:t>26</a:t>
+              <a:t>25</a:t>
             </a:fld>
             <a:endParaRPr lang="ko-KR" altLang="en-US" dirty="0"/>
           </a:p>
@@ -7335,7 +7190,7 @@
 </p:sld>
 </file>
 
-<file path=ppt/slides/slide27.xml><?xml version="1.0" encoding="utf-8"?>
+<file path=ppt/slides/slide26.xml><?xml version="1.0" encoding="utf-8"?>
 <p:sld xmlns:a="http://schemas.openxmlformats.org/drawingml/2006/main" xmlns:r="http://schemas.openxmlformats.org/officeDocument/2006/relationships" xmlns:p="http://schemas.openxmlformats.org/presentationml/2006/main">
   <p:cSld>
     <p:spTree>
@@ -7430,7 +7285,7 @@
             <a:fld id="{6DDAE2C3-1A0B-474A-8CE8-AE55B8D9D4B1}" type="slidenum">
               <a:rPr lang="ko-KR" altLang="en-US" smtClean="0"/>
               <a:pPr/>
-              <a:t>27</a:t>
+              <a:t>26</a:t>
             </a:fld>
             <a:endParaRPr lang="ko-KR" altLang="en-US" dirty="0"/>
           </a:p>
@@ -7479,7 +7334,7 @@
 </p:sld>
 </file>
 
-<file path=ppt/slides/slide28.xml><?xml version="1.0" encoding="utf-8"?>
+<file path=ppt/slides/slide27.xml><?xml version="1.0" encoding="utf-8"?>
 <p:sld xmlns:a="http://schemas.openxmlformats.org/drawingml/2006/main" xmlns:r="http://schemas.openxmlformats.org/officeDocument/2006/relationships" xmlns:p="http://schemas.openxmlformats.org/presentationml/2006/main">
   <p:cSld>
     <p:spTree>
@@ -7599,7 +7454,7 @@
             <a:fld id="{6DDAE2C3-1A0B-474A-8CE8-AE55B8D9D4B1}" type="slidenum">
               <a:rPr lang="ko-KR" altLang="en-US" smtClean="0"/>
               <a:pPr/>
-              <a:t>28</a:t>
+              <a:t>27</a:t>
             </a:fld>
             <a:endParaRPr lang="ko-KR" altLang="en-US" dirty="0"/>
           </a:p>
@@ -7648,7 +7503,7 @@
 </p:sld>
 </file>
 
-<file path=ppt/slides/slide29.xml><?xml version="1.0" encoding="utf-8"?>
+<file path=ppt/slides/slide28.xml><?xml version="1.0" encoding="utf-8"?>
 <p:sld xmlns:a="http://schemas.openxmlformats.org/drawingml/2006/main" xmlns:r="http://schemas.openxmlformats.org/officeDocument/2006/relationships" xmlns:p="http://schemas.openxmlformats.org/presentationml/2006/main">
   <p:cSld>
     <p:spTree>
@@ -7768,7 +7623,7 @@
             <a:fld id="{6DDAE2C3-1A0B-474A-8CE8-AE55B8D9D4B1}" type="slidenum">
               <a:rPr lang="ko-KR" altLang="en-US" smtClean="0"/>
               <a:pPr/>
-              <a:t>29</a:t>
+              <a:t>28</a:t>
             </a:fld>
             <a:endParaRPr lang="ko-KR" altLang="en-US" dirty="0"/>
           </a:p>
@@ -7808,6 +7663,150 @@
     <p:extLst>
       <p:ext uri="{BB962C8B-B14F-4D97-AF65-F5344CB8AC3E}">
         <p14:creationId xmlns:p14="http://schemas.microsoft.com/office/powerpoint/2010/main" val="130721266"/>
+      </p:ext>
+    </p:extLst>
+  </p:cSld>
+  <p:clrMapOvr>
+    <a:masterClrMapping/>
+  </p:clrMapOvr>
+</p:sld>
+</file>
+
+<file path=ppt/slides/slide29.xml><?xml version="1.0" encoding="utf-8"?>
+<p:sld xmlns:a="http://schemas.openxmlformats.org/drawingml/2006/main" xmlns:r="http://schemas.openxmlformats.org/officeDocument/2006/relationships" xmlns:p="http://schemas.openxmlformats.org/presentationml/2006/main">
+  <p:cSld>
+    <p:spTree>
+      <p:nvGrpSpPr>
+        <p:cNvPr id="1" name=""/>
+        <p:cNvGrpSpPr/>
+        <p:nvPr/>
+      </p:nvGrpSpPr>
+      <p:grpSpPr>
+        <a:xfrm>
+          <a:off x="0" y="0"/>
+          <a:ext cx="0" cy="0"/>
+          <a:chOff x="0" y="0"/>
+          <a:chExt cx="0" cy="0"/>
+        </a:xfrm>
+      </p:grpSpPr>
+      <p:sp>
+        <p:nvSpPr>
+          <p:cNvPr id="5" name="제목 4"/>
+          <p:cNvSpPr>
+            <a:spLocks noGrp="1"/>
+          </p:cNvSpPr>
+          <p:nvPr>
+            <p:ph type="title"/>
+          </p:nvPr>
+        </p:nvSpPr>
+        <p:spPr>
+          <a:xfrm>
+            <a:off x="608012" y="539949"/>
+            <a:ext cx="10944225" cy="1140090"/>
+          </a:xfrm>
+        </p:spPr>
+        <p:txBody>
+          <a:bodyPr>
+            <a:normAutofit/>
+          </a:bodyPr>
+          <a:lstStyle/>
+          <a:p>
+            <a:pPr algn="l"/>
+            <a:r>
+              <a:rPr lang="en-US" altLang="ko-KR" sz="4400" dirty="0">
+                <a:solidFill>
+                  <a:schemeClr val="tx1">
+                    <a:lumMod val="75000"/>
+                    <a:lumOff val="25000"/>
+                  </a:schemeClr>
+                </a:solidFill>
+                <a:latin typeface="Noto Sans CJK KR Black" pitchFamily="34" charset="-127"/>
+                <a:ea typeface="Noto Sans CJK KR Black" pitchFamily="34" charset="-127"/>
+              </a:rPr>
+              <a:t>4. </a:t>
+            </a:r>
+            <a:r>
+              <a:rPr lang="ko-KR" altLang="en-US" sz="4400" dirty="0">
+                <a:solidFill>
+                  <a:schemeClr val="tx1">
+                    <a:lumMod val="75000"/>
+                    <a:lumOff val="25000"/>
+                  </a:schemeClr>
+                </a:solidFill>
+                <a:latin typeface="Noto Sans CJK KR Black" pitchFamily="34" charset="-127"/>
+                <a:ea typeface="Noto Sans CJK KR Black" pitchFamily="34" charset="-127"/>
+              </a:rPr>
+              <a:t>시계열 분석</a:t>
+            </a:r>
+            <a:endParaRPr lang="ko-KR" altLang="en-US" sz="4400" dirty="0">
+              <a:solidFill>
+                <a:schemeClr val="tx1">
+                  <a:lumMod val="75000"/>
+                  <a:lumOff val="25000"/>
+                </a:schemeClr>
+              </a:solidFill>
+            </a:endParaRPr>
+          </a:p>
+        </p:txBody>
+      </p:sp>
+      <p:sp>
+        <p:nvSpPr>
+          <p:cNvPr id="3" name="슬라이드 번호 개체 틀 2"/>
+          <p:cNvSpPr>
+            <a:spLocks noGrp="1"/>
+          </p:cNvSpPr>
+          <p:nvPr>
+            <p:ph type="sldNum" sz="quarter" idx="12"/>
+          </p:nvPr>
+        </p:nvSpPr>
+        <p:spPr/>
+        <p:txBody>
+          <a:bodyPr/>
+          <a:lstStyle/>
+          <a:p>
+            <a:fld id="{6DDAE2C3-1A0B-474A-8CE8-AE55B8D9D4B1}" type="slidenum">
+              <a:rPr lang="ko-KR" altLang="en-US" smtClean="0"/>
+              <a:pPr/>
+              <a:t>29</a:t>
+            </a:fld>
+            <a:endParaRPr lang="ko-KR" altLang="en-US" dirty="0"/>
+          </a:p>
+        </p:txBody>
+      </p:sp>
+      <p:pic>
+        <p:nvPicPr>
+          <p:cNvPr id="2" name="그림 1">
+            <a:extLst>
+              <a:ext uri="{FF2B5EF4-FFF2-40B4-BE49-F238E27FC236}">
+                <a16:creationId xmlns:a16="http://schemas.microsoft.com/office/drawing/2014/main" id="{5584A6B2-7E1C-4405-BF74-069F7FBDF301}"/>
+              </a:ext>
+            </a:extLst>
+          </p:cNvPr>
+          <p:cNvPicPr>
+            <a:picLocks noChangeAspect="1"/>
+          </p:cNvPicPr>
+          <p:nvPr/>
+        </p:nvPicPr>
+        <p:blipFill>
+          <a:blip r:embed="rId2"/>
+          <a:stretch>
+            <a:fillRect/>
+          </a:stretch>
+        </p:blipFill>
+        <p:spPr>
+          <a:xfrm>
+            <a:off x="6224141" y="0"/>
+            <a:ext cx="3304137" cy="6840538"/>
+          </a:xfrm>
+          <a:prstGeom prst="rect">
+            <a:avLst/>
+          </a:prstGeom>
+        </p:spPr>
+      </p:pic>
+    </p:spTree>
+    <p:extLst>
+      <p:ext uri="{BB962C8B-B14F-4D97-AF65-F5344CB8AC3E}">
+        <p14:creationId xmlns:p14="http://schemas.microsoft.com/office/powerpoint/2010/main" val="2950574922"/>
       </p:ext>
     </p:extLst>
   </p:cSld>
@@ -8092,150 +8091,6 @@
           <p:cNvPr id="2" name="그림 1">
             <a:extLst>
               <a:ext uri="{FF2B5EF4-FFF2-40B4-BE49-F238E27FC236}">
-                <a16:creationId xmlns:a16="http://schemas.microsoft.com/office/drawing/2014/main" id="{5584A6B2-7E1C-4405-BF74-069F7FBDF301}"/>
-              </a:ext>
-            </a:extLst>
-          </p:cNvPr>
-          <p:cNvPicPr>
-            <a:picLocks noChangeAspect="1"/>
-          </p:cNvPicPr>
-          <p:nvPr/>
-        </p:nvPicPr>
-        <p:blipFill>
-          <a:blip r:embed="rId2"/>
-          <a:stretch>
-            <a:fillRect/>
-          </a:stretch>
-        </p:blipFill>
-        <p:spPr>
-          <a:xfrm>
-            <a:off x="6224141" y="0"/>
-            <a:ext cx="3304137" cy="6840538"/>
-          </a:xfrm>
-          <a:prstGeom prst="rect">
-            <a:avLst/>
-          </a:prstGeom>
-        </p:spPr>
-      </p:pic>
-    </p:spTree>
-    <p:extLst>
-      <p:ext uri="{BB962C8B-B14F-4D97-AF65-F5344CB8AC3E}">
-        <p14:creationId xmlns:p14="http://schemas.microsoft.com/office/powerpoint/2010/main" val="2950574922"/>
-      </p:ext>
-    </p:extLst>
-  </p:cSld>
-  <p:clrMapOvr>
-    <a:masterClrMapping/>
-  </p:clrMapOvr>
-</p:sld>
-</file>
-
-<file path=ppt/slides/slide31.xml><?xml version="1.0" encoding="utf-8"?>
-<p:sld xmlns:a="http://schemas.openxmlformats.org/drawingml/2006/main" xmlns:r="http://schemas.openxmlformats.org/officeDocument/2006/relationships" xmlns:p="http://schemas.openxmlformats.org/presentationml/2006/main">
-  <p:cSld>
-    <p:spTree>
-      <p:nvGrpSpPr>
-        <p:cNvPr id="1" name=""/>
-        <p:cNvGrpSpPr/>
-        <p:nvPr/>
-      </p:nvGrpSpPr>
-      <p:grpSpPr>
-        <a:xfrm>
-          <a:off x="0" y="0"/>
-          <a:ext cx="0" cy="0"/>
-          <a:chOff x="0" y="0"/>
-          <a:chExt cx="0" cy="0"/>
-        </a:xfrm>
-      </p:grpSpPr>
-      <p:sp>
-        <p:nvSpPr>
-          <p:cNvPr id="5" name="제목 4"/>
-          <p:cNvSpPr>
-            <a:spLocks noGrp="1"/>
-          </p:cNvSpPr>
-          <p:nvPr>
-            <p:ph type="title"/>
-          </p:nvPr>
-        </p:nvSpPr>
-        <p:spPr>
-          <a:xfrm>
-            <a:off x="608012" y="539949"/>
-            <a:ext cx="10944225" cy="1140090"/>
-          </a:xfrm>
-        </p:spPr>
-        <p:txBody>
-          <a:bodyPr>
-            <a:normAutofit/>
-          </a:bodyPr>
-          <a:lstStyle/>
-          <a:p>
-            <a:pPr algn="l"/>
-            <a:r>
-              <a:rPr lang="en-US" altLang="ko-KR" sz="4400" dirty="0">
-                <a:solidFill>
-                  <a:schemeClr val="tx1">
-                    <a:lumMod val="75000"/>
-                    <a:lumOff val="25000"/>
-                  </a:schemeClr>
-                </a:solidFill>
-                <a:latin typeface="Noto Sans CJK KR Black" pitchFamily="34" charset="-127"/>
-                <a:ea typeface="Noto Sans CJK KR Black" pitchFamily="34" charset="-127"/>
-              </a:rPr>
-              <a:t>4. </a:t>
-            </a:r>
-            <a:r>
-              <a:rPr lang="ko-KR" altLang="en-US" sz="4400" dirty="0">
-                <a:solidFill>
-                  <a:schemeClr val="tx1">
-                    <a:lumMod val="75000"/>
-                    <a:lumOff val="25000"/>
-                  </a:schemeClr>
-                </a:solidFill>
-                <a:latin typeface="Noto Sans CJK KR Black" pitchFamily="34" charset="-127"/>
-                <a:ea typeface="Noto Sans CJK KR Black" pitchFamily="34" charset="-127"/>
-              </a:rPr>
-              <a:t>시계열 분석</a:t>
-            </a:r>
-            <a:endParaRPr lang="ko-KR" altLang="en-US" sz="4400" dirty="0">
-              <a:solidFill>
-                <a:schemeClr val="tx1">
-                  <a:lumMod val="75000"/>
-                  <a:lumOff val="25000"/>
-                </a:schemeClr>
-              </a:solidFill>
-            </a:endParaRPr>
-          </a:p>
-        </p:txBody>
-      </p:sp>
-      <p:sp>
-        <p:nvSpPr>
-          <p:cNvPr id="3" name="슬라이드 번호 개체 틀 2"/>
-          <p:cNvSpPr>
-            <a:spLocks noGrp="1"/>
-          </p:cNvSpPr>
-          <p:nvPr>
-            <p:ph type="sldNum" sz="quarter" idx="12"/>
-          </p:nvPr>
-        </p:nvSpPr>
-        <p:spPr/>
-        <p:txBody>
-          <a:bodyPr/>
-          <a:lstStyle/>
-          <a:p>
-            <a:fld id="{6DDAE2C3-1A0B-474A-8CE8-AE55B8D9D4B1}" type="slidenum">
-              <a:rPr lang="ko-KR" altLang="en-US" smtClean="0"/>
-              <a:pPr/>
-              <a:t>31</a:t>
-            </a:fld>
-            <a:endParaRPr lang="ko-KR" altLang="en-US" dirty="0"/>
-          </a:p>
-        </p:txBody>
-      </p:sp>
-      <p:pic>
-        <p:nvPicPr>
-          <p:cNvPr id="2" name="그림 1">
-            <a:extLst>
-              <a:ext uri="{FF2B5EF4-FFF2-40B4-BE49-F238E27FC236}">
                 <a16:creationId xmlns:a16="http://schemas.microsoft.com/office/drawing/2014/main" id="{A6C91D56-B0AE-435B-AEC9-0DBA03CEDF66}"/>
               </a:ext>
             </a:extLst>
@@ -8274,7 +8129,7 @@
 </p:sld>
 </file>
 
-<file path=ppt/slides/slide32.xml><?xml version="1.0" encoding="utf-8"?>
+<file path=ppt/slides/slide31.xml><?xml version="1.0" encoding="utf-8"?>
 <p:sld xmlns:a="http://schemas.openxmlformats.org/drawingml/2006/main" xmlns:r="http://schemas.openxmlformats.org/officeDocument/2006/relationships" xmlns:p="http://schemas.openxmlformats.org/presentationml/2006/main">
   <p:cSld>
     <p:spTree>
@@ -8369,7 +8224,7 @@
             <a:fld id="{6DDAE2C3-1A0B-474A-8CE8-AE55B8D9D4B1}" type="slidenum">
               <a:rPr lang="ko-KR" altLang="en-US" smtClean="0"/>
               <a:pPr/>
-              <a:t>32</a:t>
+              <a:t>31</a:t>
             </a:fld>
             <a:endParaRPr lang="ko-KR" altLang="en-US" dirty="0"/>
           </a:p>
@@ -8418,7 +8273,7 @@
 </p:sld>
 </file>
 
-<file path=ppt/slides/slide33.xml><?xml version="1.0" encoding="utf-8"?>
+<file path=ppt/slides/slide32.xml><?xml version="1.0" encoding="utf-8"?>
 <p:sld xmlns:a="http://schemas.openxmlformats.org/drawingml/2006/main" xmlns:r="http://schemas.openxmlformats.org/officeDocument/2006/relationships" xmlns:p="http://schemas.openxmlformats.org/presentationml/2006/main">
   <p:cSld>
     <p:spTree>
@@ -8513,7 +8368,7 @@
             <a:fld id="{6DDAE2C3-1A0B-474A-8CE8-AE55B8D9D4B1}" type="slidenum">
               <a:rPr lang="ko-KR" altLang="en-US" smtClean="0"/>
               <a:pPr/>
-              <a:t>33</a:t>
+              <a:t>32</a:t>
             </a:fld>
             <a:endParaRPr lang="ko-KR" altLang="en-US" dirty="0"/>
           </a:p>
@@ -8562,7 +8417,7 @@
 </p:sld>
 </file>
 
-<file path=ppt/slides/slide34.xml><?xml version="1.0" encoding="utf-8"?>
+<file path=ppt/slides/slide33.xml><?xml version="1.0" encoding="utf-8"?>
 <p:sld xmlns:a="http://schemas.openxmlformats.org/drawingml/2006/main" xmlns:r="http://schemas.openxmlformats.org/officeDocument/2006/relationships" xmlns:p="http://schemas.openxmlformats.org/presentationml/2006/main">
   <p:cSld>
     <p:spTree>
@@ -8657,7 +8512,7 @@
             <a:fld id="{6DDAE2C3-1A0B-474A-8CE8-AE55B8D9D4B1}" type="slidenum">
               <a:rPr lang="ko-KR" altLang="en-US" smtClean="0"/>
               <a:pPr/>
-              <a:t>34</a:t>
+              <a:t>33</a:t>
             </a:fld>
             <a:endParaRPr lang="ko-KR" altLang="en-US" dirty="0"/>
           </a:p>
@@ -8706,7 +8561,7 @@
 </p:sld>
 </file>
 
-<file path=ppt/slides/slide35.xml><?xml version="1.0" encoding="utf-8"?>
+<file path=ppt/slides/slide34.xml><?xml version="1.0" encoding="utf-8"?>
 <p:sld xmlns:a="http://schemas.openxmlformats.org/drawingml/2006/main" xmlns:r="http://schemas.openxmlformats.org/officeDocument/2006/relationships" xmlns:p="http://schemas.openxmlformats.org/presentationml/2006/main">
   <p:cSld>
     <p:spTree>
@@ -8801,7 +8656,7 @@
             <a:fld id="{6DDAE2C3-1A0B-474A-8CE8-AE55B8D9D4B1}" type="slidenum">
               <a:rPr lang="ko-KR" altLang="en-US" smtClean="0"/>
               <a:pPr/>
-              <a:t>35</a:t>
+              <a:t>34</a:t>
             </a:fld>
             <a:endParaRPr lang="ko-KR" altLang="en-US" dirty="0"/>
           </a:p>
@@ -8850,7 +8705,7 @@
 </p:sld>
 </file>
 
-<file path=ppt/slides/slide36.xml><?xml version="1.0" encoding="utf-8"?>
+<file path=ppt/slides/slide35.xml><?xml version="1.0" encoding="utf-8"?>
 <p:sld xmlns:a="http://schemas.openxmlformats.org/drawingml/2006/main" xmlns:r="http://schemas.openxmlformats.org/officeDocument/2006/relationships" xmlns:p="http://schemas.openxmlformats.org/presentationml/2006/main">
   <p:cSld>
     <p:spTree>
@@ -8945,7 +8800,7 @@
             <a:fld id="{6DDAE2C3-1A0B-474A-8CE8-AE55B8D9D4B1}" type="slidenum">
               <a:rPr lang="ko-KR" altLang="en-US" smtClean="0"/>
               <a:pPr/>
-              <a:t>36</a:t>
+              <a:t>35</a:t>
             </a:fld>
             <a:endParaRPr lang="ko-KR" altLang="en-US" dirty="0"/>
           </a:p>
@@ -8994,7 +8849,7 @@
 </p:sld>
 </file>
 
-<file path=ppt/slides/slide37.xml><?xml version="1.0" encoding="utf-8"?>
+<file path=ppt/slides/slide36.xml><?xml version="1.0" encoding="utf-8"?>
 <p:sld xmlns:a="http://schemas.openxmlformats.org/drawingml/2006/main" xmlns:r="http://schemas.openxmlformats.org/officeDocument/2006/relationships" xmlns:p="http://schemas.openxmlformats.org/presentationml/2006/main">
   <p:cSld>
     <p:spTree>
@@ -9089,7 +8944,7 @@
             <a:fld id="{6DDAE2C3-1A0B-474A-8CE8-AE55B8D9D4B1}" type="slidenum">
               <a:rPr lang="ko-KR" altLang="en-US" smtClean="0"/>
               <a:pPr/>
-              <a:t>37</a:t>
+              <a:t>36</a:t>
             </a:fld>
             <a:endParaRPr lang="ko-KR" altLang="en-US" dirty="0"/>
           </a:p>
@@ -9138,7 +8993,7 @@
 </p:sld>
 </file>
 
-<file path=ppt/slides/slide38.xml><?xml version="1.0" encoding="utf-8"?>
+<file path=ppt/slides/slide37.xml><?xml version="1.0" encoding="utf-8"?>
 <p:sld xmlns:a="http://schemas.openxmlformats.org/drawingml/2006/main" xmlns:r="http://schemas.openxmlformats.org/officeDocument/2006/relationships" xmlns:p="http://schemas.openxmlformats.org/presentationml/2006/main">
   <p:cSld>
     <p:spTree>
@@ -9653,7 +9508,7 @@
             <a:fld id="{6DDAE2C3-1A0B-474A-8CE8-AE55B8D9D4B1}" type="slidenum">
               <a:rPr lang="ko-KR" altLang="en-US" smtClean="0"/>
               <a:pPr/>
-              <a:t>38</a:t>
+              <a:t>37</a:t>
             </a:fld>
             <a:endParaRPr lang="ko-KR" altLang="en-US" dirty="0"/>
           </a:p>
@@ -9672,7 +9527,7 @@
 </p:sld>
 </file>
 
-<file path=ppt/slides/slide39.xml><?xml version="1.0" encoding="utf-8"?>
+<file path=ppt/slides/slide38.xml><?xml version="1.0" encoding="utf-8"?>
 <p:sld xmlns:a="http://schemas.openxmlformats.org/drawingml/2006/main" xmlns:r="http://schemas.openxmlformats.org/officeDocument/2006/relationships" xmlns:p="http://schemas.openxmlformats.org/presentationml/2006/main">
   <p:cSld>
     <p:spTree>
@@ -10632,7 +10487,7 @@
         </p:nvSpPr>
         <p:spPr>
           <a:xfrm>
-            <a:off x="608012" y="539949"/>
+            <a:off x="608010" y="395933"/>
             <a:ext cx="10944225" cy="1140090"/>
           </a:xfrm>
         </p:spPr>
@@ -10706,10 +10561,10 @@
       </p:sp>
       <p:pic>
         <p:nvPicPr>
-          <p:cNvPr id="2" name="그림 1">
+          <p:cNvPr id="4" name="그림 3">
             <a:extLst>
               <a:ext uri="{FF2B5EF4-FFF2-40B4-BE49-F238E27FC236}">
-                <a16:creationId xmlns:a16="http://schemas.microsoft.com/office/drawing/2014/main" id="{763FD5DE-0E65-41B2-A2E1-B6F049DFEB69}"/>
+                <a16:creationId xmlns:a16="http://schemas.microsoft.com/office/drawing/2014/main" id="{1A92F210-FACF-45B5-9C7D-A87B658874A0}"/>
               </a:ext>
             </a:extLst>
           </p:cNvPr>
@@ -10726,8 +10581,8 @@
         </p:blipFill>
         <p:spPr>
           <a:xfrm>
-            <a:off x="2084386" y="1631886"/>
-            <a:ext cx="7991475" cy="5191125"/>
+            <a:off x="1441447" y="1458924"/>
+            <a:ext cx="9277350" cy="5362575"/>
           </a:xfrm>
           <a:prstGeom prst="rect">
             <a:avLst/>
@@ -10737,7 +10592,7 @@
     </p:spTree>
     <p:extLst>
       <p:ext uri="{BB962C8B-B14F-4D97-AF65-F5344CB8AC3E}">
-        <p14:creationId xmlns:p14="http://schemas.microsoft.com/office/powerpoint/2010/main" val="957076208"/>
+        <p14:creationId xmlns:p14="http://schemas.microsoft.com/office/powerpoint/2010/main" val="3857964066"/>
       </p:ext>
     </p:extLst>
   </p:cSld>
